--- a/L3 - Classification.pptx
+++ b/L3 - Classification.pptx
@@ -226,7 +226,7 @@
           <a:p>
             <a:fld id="{1E818BAB-0DD9-BF47-8120-3FB2445605D1}" type="datetimeFigureOut">
               <a:rPr lang="en-US" smtClean="0"/>
-              <a:t>5/15/20</a:t>
+              <a:t>3/1/24</a:t>
             </a:fld>
             <a:endParaRPr lang="en-US"/>
           </a:p>
@@ -1296,7 +1296,7 @@
           <a:p>
             <a:fld id="{E6A1971A-DA36-7F48-BD7C-6F24AC0D3ED3}" type="datetimeFigureOut">
               <a:rPr lang="en-US" smtClean="0"/>
-              <a:t>5/15/20</a:t>
+              <a:t>3/1/24</a:t>
             </a:fld>
             <a:endParaRPr lang="en-US"/>
           </a:p>
@@ -1466,7 +1466,7 @@
           <a:p>
             <a:fld id="{E6A1971A-DA36-7F48-BD7C-6F24AC0D3ED3}" type="datetimeFigureOut">
               <a:rPr lang="en-US" smtClean="0"/>
-              <a:t>5/15/20</a:t>
+              <a:t>3/1/24</a:t>
             </a:fld>
             <a:endParaRPr lang="en-US"/>
           </a:p>
@@ -1646,7 +1646,7 @@
           <a:p>
             <a:fld id="{E6A1971A-DA36-7F48-BD7C-6F24AC0D3ED3}" type="datetimeFigureOut">
               <a:rPr lang="en-US" smtClean="0"/>
-              <a:t>5/15/20</a:t>
+              <a:t>3/1/24</a:t>
             </a:fld>
             <a:endParaRPr lang="en-US"/>
           </a:p>
@@ -1816,7 +1816,7 @@
           <a:p>
             <a:fld id="{E6A1971A-DA36-7F48-BD7C-6F24AC0D3ED3}" type="datetimeFigureOut">
               <a:rPr lang="en-US" smtClean="0"/>
-              <a:t>5/15/20</a:t>
+              <a:t>3/1/24</a:t>
             </a:fld>
             <a:endParaRPr lang="en-US" dirty="0"/>
           </a:p>
@@ -2062,7 +2062,7 @@
           <a:p>
             <a:fld id="{E6A1971A-DA36-7F48-BD7C-6F24AC0D3ED3}" type="datetimeFigureOut">
               <a:rPr lang="en-US" smtClean="0"/>
-              <a:t>5/15/20</a:t>
+              <a:t>3/1/24</a:t>
             </a:fld>
             <a:endParaRPr lang="en-US"/>
           </a:p>
@@ -2294,7 +2294,7 @@
           <a:p>
             <a:fld id="{E6A1971A-DA36-7F48-BD7C-6F24AC0D3ED3}" type="datetimeFigureOut">
               <a:rPr lang="en-US" smtClean="0"/>
-              <a:t>5/15/20</a:t>
+              <a:t>3/1/24</a:t>
             </a:fld>
             <a:endParaRPr lang="en-US"/>
           </a:p>
@@ -2661,7 +2661,7 @@
           <a:p>
             <a:fld id="{E6A1971A-DA36-7F48-BD7C-6F24AC0D3ED3}" type="datetimeFigureOut">
               <a:rPr lang="en-US" smtClean="0"/>
-              <a:t>5/15/20</a:t>
+              <a:t>3/1/24</a:t>
             </a:fld>
             <a:endParaRPr lang="en-US"/>
           </a:p>
@@ -2779,7 +2779,7 @@
           <a:p>
             <a:fld id="{E6A1971A-DA36-7F48-BD7C-6F24AC0D3ED3}" type="datetimeFigureOut">
               <a:rPr lang="en-US" smtClean="0"/>
-              <a:t>5/15/20</a:t>
+              <a:t>3/1/24</a:t>
             </a:fld>
             <a:endParaRPr lang="en-US"/>
           </a:p>
@@ -2874,7 +2874,7 @@
           <a:p>
             <a:fld id="{E6A1971A-DA36-7F48-BD7C-6F24AC0D3ED3}" type="datetimeFigureOut">
               <a:rPr lang="en-US" smtClean="0"/>
-              <a:t>5/15/20</a:t>
+              <a:t>3/1/24</a:t>
             </a:fld>
             <a:endParaRPr lang="en-US"/>
           </a:p>
@@ -3151,7 +3151,7 @@
           <a:p>
             <a:fld id="{E6A1971A-DA36-7F48-BD7C-6F24AC0D3ED3}" type="datetimeFigureOut">
               <a:rPr lang="en-US" smtClean="0"/>
-              <a:t>5/15/20</a:t>
+              <a:t>3/1/24</a:t>
             </a:fld>
             <a:endParaRPr lang="en-US"/>
           </a:p>
@@ -3408,7 +3408,7 @@
           <a:p>
             <a:fld id="{E6A1971A-DA36-7F48-BD7C-6F24AC0D3ED3}" type="datetimeFigureOut">
               <a:rPr lang="en-US" smtClean="0"/>
-              <a:t>5/15/20</a:t>
+              <a:t>3/1/24</a:t>
             </a:fld>
             <a:endParaRPr lang="en-US"/>
           </a:p>
@@ -3621,7 +3621,7 @@
           <a:p>
             <a:fld id="{E6A1971A-DA36-7F48-BD7C-6F24AC0D3ED3}" type="datetimeFigureOut">
               <a:rPr lang="en-US" smtClean="0"/>
-              <a:t>5/15/20</a:t>
+              <a:t>3/1/24</a:t>
             </a:fld>
             <a:endParaRPr lang="en-US"/>
           </a:p>
@@ -4185,8 +4185,8 @@
           </a:p>
         </p:txBody>
       </p:sp>
-      <mc:AlternateContent xmlns:mc="http://schemas.openxmlformats.org/markup-compatibility/2006">
-        <mc:Choice xmlns:a14="http://schemas.microsoft.com/office/drawing/2010/main" Requires="a14">
+      <mc:AlternateContent xmlns:mc="http://schemas.openxmlformats.org/markup-compatibility/2006" xmlns:a14="http://schemas.microsoft.com/office/drawing/2010/main">
+        <mc:Choice Requires="a14">
           <p:sp>
             <p:nvSpPr>
               <p:cNvPr id="3" name="Content Placeholder 2">
@@ -5589,7 +5589,7 @@
             </p:txBody>
           </p:sp>
         </mc:Choice>
-        <mc:Fallback>
+        <mc:Fallback xmlns="">
           <p:sp>
             <p:nvSpPr>
               <p:cNvPr id="3" name="Content Placeholder 2">
@@ -5633,8 +5633,8 @@
           </p:sp>
         </mc:Fallback>
       </mc:AlternateContent>
-      <mc:AlternateContent xmlns:mc="http://schemas.openxmlformats.org/markup-compatibility/2006">
-        <mc:Choice xmlns:a14="http://schemas.microsoft.com/office/drawing/2010/main" Requires="a14">
+      <mc:AlternateContent xmlns:mc="http://schemas.openxmlformats.org/markup-compatibility/2006" xmlns:a14="http://schemas.microsoft.com/office/drawing/2010/main">
+        <mc:Choice Requires="a14">
           <p:sp>
             <p:nvSpPr>
               <p:cNvPr id="4" name="TextBox 3">
@@ -5702,7 +5702,7 @@
             </p:txBody>
           </p:sp>
         </mc:Choice>
-        <mc:Fallback>
+        <mc:Fallback xmlns="">
           <p:sp>
             <p:nvSpPr>
               <p:cNvPr id="4" name="TextBox 3">
@@ -5747,8 +5747,8 @@
           </p:sp>
         </mc:Fallback>
       </mc:AlternateContent>
-      <mc:AlternateContent xmlns:mc="http://schemas.openxmlformats.org/markup-compatibility/2006">
-        <mc:Choice xmlns:a14="http://schemas.microsoft.com/office/drawing/2010/main" Requires="a14">
+      <mc:AlternateContent xmlns:mc="http://schemas.openxmlformats.org/markup-compatibility/2006" xmlns:a14="http://schemas.microsoft.com/office/drawing/2010/main">
+        <mc:Choice Requires="a14">
           <p:sp>
             <p:nvSpPr>
               <p:cNvPr id="11" name="TextBox 10">
@@ -5777,6 +5777,7 @@
               </a:bodyPr>
               <a:lstStyle/>
               <a:p>
+                <a:pPr/>
                 <a14:m>
                   <m:oMathPara xmlns:m="http://schemas.openxmlformats.org/officeDocument/2006/math">
                     <m:oMathParaPr>
@@ -5828,13 +5829,7 @@
                             <a:rPr lang="en-US" i="1">
                               <a:latin typeface="Cambria Math" panose="02040503050406030204" pitchFamily="18" charset="0"/>
                             </a:rPr>
-                            <m:t>−</m:t>
-                          </m:r>
-                          <m:r>
-                            <a:rPr lang="en-US" i="1">
-                              <a:latin typeface="Cambria Math" panose="02040503050406030204" pitchFamily="18" charset="0"/>
-                            </a:rPr>
-                            <m:t> </m:t>
+                            <m:t>− </m:t>
                           </m:r>
                           <m:r>
                             <a:rPr lang="en-US" i="1">
@@ -6202,7 +6197,7 @@
             </p:txBody>
           </p:sp>
         </mc:Choice>
-        <mc:Fallback>
+        <mc:Fallback xmlns="">
           <p:sp>
             <p:nvSpPr>
               <p:cNvPr id="11" name="TextBox 10">
@@ -6801,8 +6796,8 @@
           </a:fontRef>
         </p:style>
       </p:cxnSp>
-      <mc:AlternateContent xmlns:mc="http://schemas.openxmlformats.org/markup-compatibility/2006">
-        <mc:Choice xmlns:a14="http://schemas.microsoft.com/office/drawing/2010/main" Requires="a14">
+      <mc:AlternateContent xmlns:mc="http://schemas.openxmlformats.org/markup-compatibility/2006" xmlns:a14="http://schemas.microsoft.com/office/drawing/2010/main">
+        <mc:Choice Requires="a14">
           <p:sp>
             <p:nvSpPr>
               <p:cNvPr id="8" name="TextBox 7">
@@ -6831,6 +6826,7 @@
               </a:bodyPr>
               <a:lstStyle/>
               <a:p>
+                <a:pPr/>
                 <a14:m>
                   <m:oMathPara xmlns:m="http://schemas.openxmlformats.org/officeDocument/2006/math">
                     <m:oMathParaPr>
@@ -6872,7 +6868,7 @@
             </p:txBody>
           </p:sp>
         </mc:Choice>
-        <mc:Fallback>
+        <mc:Fallback xmlns="">
           <p:sp>
             <p:nvSpPr>
               <p:cNvPr id="8" name="TextBox 7">
@@ -7695,8 +7691,8 @@
           </a:p>
         </p:txBody>
       </p:sp>
-      <mc:AlternateContent xmlns:mc="http://schemas.openxmlformats.org/markup-compatibility/2006">
-        <mc:Choice xmlns:a14="http://schemas.microsoft.com/office/drawing/2010/main" Requires="a14">
+      <mc:AlternateContent xmlns:mc="http://schemas.openxmlformats.org/markup-compatibility/2006" xmlns:a14="http://schemas.microsoft.com/office/drawing/2010/main">
+        <mc:Choice Requires="a14">
           <p:sp>
             <p:nvSpPr>
               <p:cNvPr id="28" name="TextBox 27">
@@ -7725,6 +7721,7 @@
               </a:bodyPr>
               <a:lstStyle/>
               <a:p>
+                <a:pPr/>
                 <a14:m>
                   <m:oMathPara xmlns:m="http://schemas.openxmlformats.org/officeDocument/2006/math">
                     <m:oMathParaPr>
@@ -7773,7 +7770,7 @@
             </p:txBody>
           </p:sp>
         </mc:Choice>
-        <mc:Fallback>
+        <mc:Fallback xmlns="">
           <p:sp>
             <p:nvSpPr>
               <p:cNvPr id="28" name="TextBox 27">
@@ -7818,8 +7815,8 @@
           </p:sp>
         </mc:Fallback>
       </mc:AlternateContent>
-      <mc:AlternateContent xmlns:mc="http://schemas.openxmlformats.org/markup-compatibility/2006">
-        <mc:Choice xmlns:a14="http://schemas.microsoft.com/office/drawing/2010/main" Requires="a14">
+      <mc:AlternateContent xmlns:mc="http://schemas.openxmlformats.org/markup-compatibility/2006" xmlns:a14="http://schemas.microsoft.com/office/drawing/2010/main">
+        <mc:Choice Requires="a14">
           <p:sp>
             <p:nvSpPr>
               <p:cNvPr id="29" name="TextBox 28">
@@ -7848,6 +7845,7 @@
               </a:bodyPr>
               <a:lstStyle/>
               <a:p>
+                <a:pPr/>
                 <a14:m>
                   <m:oMathPara xmlns:m="http://schemas.openxmlformats.org/officeDocument/2006/math">
                     <m:oMathParaPr>
@@ -7896,7 +7894,7 @@
             </p:txBody>
           </p:sp>
         </mc:Choice>
-        <mc:Fallback>
+        <mc:Fallback xmlns="">
           <p:sp>
             <p:nvSpPr>
               <p:cNvPr id="29" name="TextBox 28">
@@ -8667,8 +8665,8 @@
           </a:p>
         </p:txBody>
       </p:sp>
-      <mc:AlternateContent xmlns:mc="http://schemas.openxmlformats.org/markup-compatibility/2006">
-        <mc:Choice xmlns:a14="http://schemas.microsoft.com/office/drawing/2010/main" Requires="a14">
+      <mc:AlternateContent xmlns:mc="http://schemas.openxmlformats.org/markup-compatibility/2006" xmlns:a14="http://schemas.microsoft.com/office/drawing/2010/main">
+        <mc:Choice Requires="a14">
           <p:sp>
             <p:nvSpPr>
               <p:cNvPr id="130" name="TextBox 129">
@@ -8697,6 +8695,7 @@
               </a:bodyPr>
               <a:lstStyle/>
               <a:p>
+                <a:pPr/>
                 <a14:m>
                   <m:oMathPara xmlns:m="http://schemas.openxmlformats.org/officeDocument/2006/math">
                     <m:oMathParaPr>
@@ -8749,7 +8748,7 @@
             </p:txBody>
           </p:sp>
         </mc:Choice>
-        <mc:Fallback>
+        <mc:Fallback xmlns="">
           <p:sp>
             <p:nvSpPr>
               <p:cNvPr id="130" name="TextBox 129">
@@ -8794,8 +8793,8 @@
           </p:sp>
         </mc:Fallback>
       </mc:AlternateContent>
-      <mc:AlternateContent xmlns:mc="http://schemas.openxmlformats.org/markup-compatibility/2006">
-        <mc:Choice xmlns:a14="http://schemas.microsoft.com/office/drawing/2010/main" Requires="a14">
+      <mc:AlternateContent xmlns:mc="http://schemas.openxmlformats.org/markup-compatibility/2006" xmlns:a14="http://schemas.microsoft.com/office/drawing/2010/main">
+        <mc:Choice Requires="a14">
           <p:sp>
             <p:nvSpPr>
               <p:cNvPr id="131" name="TextBox 130">
@@ -8824,6 +8823,7 @@
               </a:bodyPr>
               <a:lstStyle/>
               <a:p>
+                <a:pPr/>
                 <a14:m>
                   <m:oMathPara xmlns:m="http://schemas.openxmlformats.org/officeDocument/2006/math">
                     <m:oMathParaPr>
@@ -8876,7 +8876,7 @@
             </p:txBody>
           </p:sp>
         </mc:Choice>
-        <mc:Fallback>
+        <mc:Fallback xmlns="">
           <p:sp>
             <p:nvSpPr>
               <p:cNvPr id="131" name="TextBox 130">
@@ -9452,8 +9452,8 @@
           </a:prstGeom>
         </p:spPr>
       </p:pic>
-      <mc:AlternateContent xmlns:mc="http://schemas.openxmlformats.org/markup-compatibility/2006">
-        <mc:Choice xmlns:a14="http://schemas.microsoft.com/office/drawing/2010/main" Requires="a14">
+      <mc:AlternateContent xmlns:mc="http://schemas.openxmlformats.org/markup-compatibility/2006" xmlns:a14="http://schemas.microsoft.com/office/drawing/2010/main">
+        <mc:Choice Requires="a14">
           <p:sp>
             <p:nvSpPr>
               <p:cNvPr id="12" name="Rectangle 11">
@@ -9799,7 +9799,7 @@
             </p:txBody>
           </p:sp>
         </mc:Choice>
-        <mc:Fallback>
+        <mc:Fallback xmlns="">
           <p:sp>
             <p:nvSpPr>
               <p:cNvPr id="12" name="Rectangle 11">
@@ -10614,8 +10614,8 @@
           </a:fontRef>
         </p:style>
       </p:cxnSp>
-      <mc:AlternateContent xmlns:mc="http://schemas.openxmlformats.org/markup-compatibility/2006">
-        <mc:Choice xmlns:a14="http://schemas.microsoft.com/office/drawing/2010/main" Requires="a14">
+      <mc:AlternateContent xmlns:mc="http://schemas.openxmlformats.org/markup-compatibility/2006" xmlns:a14="http://schemas.microsoft.com/office/drawing/2010/main">
+        <mc:Choice Requires="a14">
           <p:sp>
             <p:nvSpPr>
               <p:cNvPr id="18" name="TextBox 17">
@@ -10644,6 +10644,7 @@
               </a:bodyPr>
               <a:lstStyle/>
               <a:p>
+                <a:pPr/>
                 <a14:m>
                   <m:oMathPara xmlns:m="http://schemas.openxmlformats.org/officeDocument/2006/math">
                     <m:oMathParaPr>
@@ -10692,7 +10693,7 @@
             </p:txBody>
           </p:sp>
         </mc:Choice>
-        <mc:Fallback>
+        <mc:Fallback xmlns="">
           <p:sp>
             <p:nvSpPr>
               <p:cNvPr id="18" name="TextBox 17">
@@ -10737,8 +10738,8 @@
           </p:sp>
         </mc:Fallback>
       </mc:AlternateContent>
-      <mc:AlternateContent xmlns:mc="http://schemas.openxmlformats.org/markup-compatibility/2006">
-        <mc:Choice xmlns:a14="http://schemas.microsoft.com/office/drawing/2010/main" Requires="a14">
+      <mc:AlternateContent xmlns:mc="http://schemas.openxmlformats.org/markup-compatibility/2006" xmlns:a14="http://schemas.microsoft.com/office/drawing/2010/main">
+        <mc:Choice Requires="a14">
           <p:sp>
             <p:nvSpPr>
               <p:cNvPr id="21" name="TextBox 20">
@@ -10767,6 +10768,7 @@
               </a:bodyPr>
               <a:lstStyle/>
               <a:p>
+                <a:pPr/>
                 <a14:m>
                   <m:oMathPara xmlns:m="http://schemas.openxmlformats.org/officeDocument/2006/math">
                     <m:oMathParaPr>
@@ -10794,7 +10796,7 @@
             </p:txBody>
           </p:sp>
         </mc:Choice>
-        <mc:Fallback>
+        <mc:Fallback xmlns="">
           <p:sp>
             <p:nvSpPr>
               <p:cNvPr id="21" name="TextBox 20">
@@ -10929,8 +10931,8 @@
           </a:fontRef>
         </p:style>
       </p:cxnSp>
-      <mc:AlternateContent xmlns:mc="http://schemas.openxmlformats.org/markup-compatibility/2006">
-        <mc:Choice xmlns:a14="http://schemas.microsoft.com/office/drawing/2010/main" Requires="a14">
+      <mc:AlternateContent xmlns:mc="http://schemas.openxmlformats.org/markup-compatibility/2006" xmlns:a14="http://schemas.microsoft.com/office/drawing/2010/main">
+        <mc:Choice Requires="a14">
           <p:sp>
             <p:nvSpPr>
               <p:cNvPr id="25" name="TextBox 24">
@@ -10983,7 +10985,7 @@
             </p:txBody>
           </p:sp>
         </mc:Choice>
-        <mc:Fallback>
+        <mc:Fallback xmlns="">
           <p:sp>
             <p:nvSpPr>
               <p:cNvPr id="25" name="TextBox 24">
@@ -11223,8 +11225,8 @@
           </a:p>
         </p:txBody>
       </p:sp>
-      <mc:AlternateContent xmlns:mc="http://schemas.openxmlformats.org/markup-compatibility/2006">
-        <mc:Choice xmlns:a14="http://schemas.microsoft.com/office/drawing/2010/main" Requires="a14">
+      <mc:AlternateContent xmlns:mc="http://schemas.openxmlformats.org/markup-compatibility/2006" xmlns:a14="http://schemas.microsoft.com/office/drawing/2010/main">
+        <mc:Choice Requires="a14">
           <p:sp>
             <p:nvSpPr>
               <p:cNvPr id="31" name="TextBox 30">
@@ -11292,7 +11294,7 @@
             </p:txBody>
           </p:sp>
         </mc:Choice>
-        <mc:Fallback>
+        <mc:Fallback xmlns="">
           <p:sp>
             <p:nvSpPr>
               <p:cNvPr id="31" name="TextBox 30">
@@ -11337,8 +11339,8 @@
           </p:sp>
         </mc:Fallback>
       </mc:AlternateContent>
-      <mc:AlternateContent xmlns:mc="http://schemas.openxmlformats.org/markup-compatibility/2006">
-        <mc:Choice xmlns:a14="http://schemas.microsoft.com/office/drawing/2010/main" Requires="a14">
+      <mc:AlternateContent xmlns:mc="http://schemas.openxmlformats.org/markup-compatibility/2006" xmlns:a14="http://schemas.microsoft.com/office/drawing/2010/main">
+        <mc:Choice Requires="a14">
           <p:sp>
             <p:nvSpPr>
               <p:cNvPr id="32" name="TextBox 31">
@@ -11395,7 +11397,7 @@
             </p:txBody>
           </p:sp>
         </mc:Choice>
-        <mc:Fallback>
+        <mc:Fallback xmlns="">
           <p:sp>
             <p:nvSpPr>
               <p:cNvPr id="32" name="TextBox 31">
@@ -11440,8 +11442,8 @@
           </p:sp>
         </mc:Fallback>
       </mc:AlternateContent>
-      <mc:AlternateContent xmlns:mc="http://schemas.openxmlformats.org/markup-compatibility/2006">
-        <mc:Choice xmlns:a14="http://schemas.microsoft.com/office/drawing/2010/main" Requires="a14">
+      <mc:AlternateContent xmlns:mc="http://schemas.openxmlformats.org/markup-compatibility/2006" xmlns:a14="http://schemas.microsoft.com/office/drawing/2010/main">
+        <mc:Choice Requires="a14">
           <p:sp>
             <p:nvSpPr>
               <p:cNvPr id="33" name="TextBox 32">
@@ -11470,6 +11472,7 @@
               </a:bodyPr>
               <a:lstStyle/>
               <a:p>
+                <a:pPr/>
                 <a14:m>
                   <m:oMathPara xmlns:m="http://schemas.openxmlformats.org/officeDocument/2006/math">
                     <m:oMathParaPr>
@@ -11522,7 +11525,7 @@
             </p:txBody>
           </p:sp>
         </mc:Choice>
-        <mc:Fallback>
+        <mc:Fallback xmlns="">
           <p:sp>
             <p:nvSpPr>
               <p:cNvPr id="33" name="TextBox 32">
@@ -11567,8 +11570,8 @@
           </p:sp>
         </mc:Fallback>
       </mc:AlternateContent>
-      <mc:AlternateContent xmlns:mc="http://schemas.openxmlformats.org/markup-compatibility/2006">
-        <mc:Choice xmlns:a14="http://schemas.microsoft.com/office/drawing/2010/main" Requires="a14">
+      <mc:AlternateContent xmlns:mc="http://schemas.openxmlformats.org/markup-compatibility/2006" xmlns:a14="http://schemas.microsoft.com/office/drawing/2010/main">
+        <mc:Choice Requires="a14">
           <p:sp>
             <p:nvSpPr>
               <p:cNvPr id="35" name="TextBox 34">
@@ -11597,6 +11600,7 @@
               </a:bodyPr>
               <a:lstStyle/>
               <a:p>
+                <a:pPr/>
                 <a14:m>
                   <m:oMathPara xmlns:m="http://schemas.openxmlformats.org/officeDocument/2006/math">
                     <m:oMathParaPr>
@@ -11645,7 +11649,7 @@
             </p:txBody>
           </p:sp>
         </mc:Choice>
-        <mc:Fallback>
+        <mc:Fallback xmlns="">
           <p:sp>
             <p:nvSpPr>
               <p:cNvPr id="35" name="TextBox 34">
@@ -12154,8 +12158,8 @@
           </a:fontRef>
         </p:style>
       </p:cxnSp>
-      <mc:AlternateContent xmlns:mc="http://schemas.openxmlformats.org/markup-compatibility/2006">
-        <mc:Choice xmlns:a14="http://schemas.microsoft.com/office/drawing/2010/main" Requires="a14">
+      <mc:AlternateContent xmlns:mc="http://schemas.openxmlformats.org/markup-compatibility/2006" xmlns:a14="http://schemas.microsoft.com/office/drawing/2010/main">
+        <mc:Choice Requires="a14">
           <p:sp>
             <p:nvSpPr>
               <p:cNvPr id="25" name="TextBox 24">
@@ -12208,7 +12212,7 @@
             </p:txBody>
           </p:sp>
         </mc:Choice>
-        <mc:Fallback>
+        <mc:Fallback xmlns="">
           <p:sp>
             <p:nvSpPr>
               <p:cNvPr id="25" name="TextBox 24">
@@ -12253,8 +12257,8 @@
           </p:sp>
         </mc:Fallback>
       </mc:AlternateContent>
-      <mc:AlternateContent xmlns:mc="http://schemas.openxmlformats.org/markup-compatibility/2006">
-        <mc:Choice xmlns:a14="http://schemas.microsoft.com/office/drawing/2010/main" Requires="a14">
+      <mc:AlternateContent xmlns:mc="http://schemas.openxmlformats.org/markup-compatibility/2006" xmlns:a14="http://schemas.microsoft.com/office/drawing/2010/main">
+        <mc:Choice Requires="a14">
           <p:sp>
             <p:nvSpPr>
               <p:cNvPr id="26" name="TextBox 25">
@@ -12322,7 +12326,7 @@
             </p:txBody>
           </p:sp>
         </mc:Choice>
-        <mc:Fallback>
+        <mc:Fallback xmlns="">
           <p:sp>
             <p:nvSpPr>
               <p:cNvPr id="26" name="TextBox 25">
@@ -12367,8 +12371,8 @@
           </p:sp>
         </mc:Fallback>
       </mc:AlternateContent>
-      <mc:AlternateContent xmlns:mc="http://schemas.openxmlformats.org/markup-compatibility/2006">
-        <mc:Choice xmlns:a14="http://schemas.microsoft.com/office/drawing/2010/main" Requires="a14">
+      <mc:AlternateContent xmlns:mc="http://schemas.openxmlformats.org/markup-compatibility/2006" xmlns:a14="http://schemas.microsoft.com/office/drawing/2010/main">
+        <mc:Choice Requires="a14">
           <p:sp>
             <p:nvSpPr>
               <p:cNvPr id="31" name="TextBox 30">
@@ -12440,7 +12444,7 @@
             </p:txBody>
           </p:sp>
         </mc:Choice>
-        <mc:Fallback>
+        <mc:Fallback xmlns="">
           <p:sp>
             <p:nvSpPr>
               <p:cNvPr id="31" name="TextBox 30">
@@ -12485,8 +12489,8 @@
           </p:sp>
         </mc:Fallback>
       </mc:AlternateContent>
-      <mc:AlternateContent xmlns:mc="http://schemas.openxmlformats.org/markup-compatibility/2006">
-        <mc:Choice xmlns:a14="http://schemas.microsoft.com/office/drawing/2010/main" Requires="a14">
+      <mc:AlternateContent xmlns:mc="http://schemas.openxmlformats.org/markup-compatibility/2006" xmlns:a14="http://schemas.microsoft.com/office/drawing/2010/main">
+        <mc:Choice Requires="a14">
           <p:sp>
             <p:nvSpPr>
               <p:cNvPr id="32" name="TextBox 31">
@@ -12543,7 +12547,7 @@
             </p:txBody>
           </p:sp>
         </mc:Choice>
-        <mc:Fallback>
+        <mc:Fallback xmlns="">
           <p:sp>
             <p:nvSpPr>
               <p:cNvPr id="32" name="TextBox 31">
@@ -13231,8 +13235,8 @@
           </a:fontRef>
         </p:style>
       </p:cxnSp>
-      <mc:AlternateContent xmlns:mc="http://schemas.openxmlformats.org/markup-compatibility/2006">
-        <mc:Choice xmlns:a14="http://schemas.microsoft.com/office/drawing/2010/main" Requires="a14">
+      <mc:AlternateContent xmlns:mc="http://schemas.openxmlformats.org/markup-compatibility/2006" xmlns:a14="http://schemas.microsoft.com/office/drawing/2010/main">
+        <mc:Choice Requires="a14">
           <p:sp>
             <p:nvSpPr>
               <p:cNvPr id="46" name="TextBox 45">
@@ -13261,6 +13265,7 @@
               </a:bodyPr>
               <a:lstStyle/>
               <a:p>
+                <a:pPr/>
                 <a14:m>
                   <m:oMathPara xmlns:m="http://schemas.openxmlformats.org/officeDocument/2006/math">
                     <m:oMathParaPr>
@@ -13309,7 +13314,7 @@
             </p:txBody>
           </p:sp>
         </mc:Choice>
-        <mc:Fallback>
+        <mc:Fallback xmlns="">
           <p:sp>
             <p:nvSpPr>
               <p:cNvPr id="46" name="TextBox 45">
@@ -13354,8 +13359,8 @@
           </p:sp>
         </mc:Fallback>
       </mc:AlternateContent>
-      <mc:AlternateContent xmlns:mc="http://schemas.openxmlformats.org/markup-compatibility/2006">
-        <mc:Choice xmlns:a14="http://schemas.microsoft.com/office/drawing/2010/main" Requires="a14">
+      <mc:AlternateContent xmlns:mc="http://schemas.openxmlformats.org/markup-compatibility/2006" xmlns:a14="http://schemas.microsoft.com/office/drawing/2010/main">
+        <mc:Choice Requires="a14">
           <p:sp>
             <p:nvSpPr>
               <p:cNvPr id="47" name="TextBox 46">
@@ -13384,6 +13389,7 @@
               </a:bodyPr>
               <a:lstStyle/>
               <a:p>
+                <a:pPr/>
                 <a14:m>
                   <m:oMathPara xmlns:m="http://schemas.openxmlformats.org/officeDocument/2006/math">
                     <m:oMathParaPr>
@@ -13411,7 +13417,7 @@
             </p:txBody>
           </p:sp>
         </mc:Choice>
-        <mc:Fallback>
+        <mc:Fallback xmlns="">
           <p:sp>
             <p:nvSpPr>
               <p:cNvPr id="47" name="TextBox 46">
@@ -13695,8 +13701,8 @@
           </a:p>
         </p:txBody>
       </p:sp>
-      <mc:AlternateContent xmlns:mc="http://schemas.openxmlformats.org/markup-compatibility/2006">
-        <mc:Choice xmlns:a14="http://schemas.microsoft.com/office/drawing/2010/main" Requires="a14">
+      <mc:AlternateContent xmlns:mc="http://schemas.openxmlformats.org/markup-compatibility/2006" xmlns:a14="http://schemas.microsoft.com/office/drawing/2010/main">
+        <mc:Choice Requires="a14">
           <p:sp>
             <p:nvSpPr>
               <p:cNvPr id="53" name="TextBox 52">
@@ -13725,6 +13731,7 @@
               </a:bodyPr>
               <a:lstStyle/>
               <a:p>
+                <a:pPr/>
                 <a14:m>
                   <m:oMathPara xmlns:m="http://schemas.openxmlformats.org/officeDocument/2006/math">
                     <m:oMathParaPr>
@@ -13773,7 +13780,7 @@
             </p:txBody>
           </p:sp>
         </mc:Choice>
-        <mc:Fallback>
+        <mc:Fallback xmlns="">
           <p:sp>
             <p:nvSpPr>
               <p:cNvPr id="53" name="TextBox 52">
@@ -13818,8 +13825,8 @@
           </p:sp>
         </mc:Fallback>
       </mc:AlternateContent>
-      <mc:AlternateContent xmlns:mc="http://schemas.openxmlformats.org/markup-compatibility/2006">
-        <mc:Choice xmlns:a14="http://schemas.microsoft.com/office/drawing/2010/main" Requires="a14">
+      <mc:AlternateContent xmlns:mc="http://schemas.openxmlformats.org/markup-compatibility/2006" xmlns:a14="http://schemas.microsoft.com/office/drawing/2010/main">
+        <mc:Choice Requires="a14">
           <p:sp>
             <p:nvSpPr>
               <p:cNvPr id="54" name="TextBox 53">
@@ -13848,6 +13855,7 @@
               </a:bodyPr>
               <a:lstStyle/>
               <a:p>
+                <a:pPr/>
                 <a14:m>
                   <m:oMathPara xmlns:m="http://schemas.openxmlformats.org/officeDocument/2006/math">
                     <m:oMathParaPr>
@@ -13900,7 +13908,7 @@
             </p:txBody>
           </p:sp>
         </mc:Choice>
-        <mc:Fallback>
+        <mc:Fallback xmlns="">
           <p:sp>
             <p:nvSpPr>
               <p:cNvPr id="54" name="TextBox 53">
@@ -17837,8 +17845,8 @@
           </p:txBody>
         </p:sp>
       </p:grpSp>
-      <mc:AlternateContent xmlns:mc="http://schemas.openxmlformats.org/markup-compatibility/2006">
-        <mc:Choice xmlns:a14="http://schemas.microsoft.com/office/drawing/2010/main" Requires="a14">
+      <mc:AlternateContent xmlns:mc="http://schemas.openxmlformats.org/markup-compatibility/2006" xmlns:a14="http://schemas.microsoft.com/office/drawing/2010/main">
+        <mc:Choice Requires="a14">
           <p:sp>
             <p:nvSpPr>
               <p:cNvPr id="78" name="TextBox 77">
@@ -17949,7 +17957,7 @@
             </p:txBody>
           </p:sp>
         </mc:Choice>
-        <mc:Fallback>
+        <mc:Fallback xmlns="">
           <p:sp>
             <p:nvSpPr>
               <p:cNvPr id="78" name="TextBox 77">
@@ -17994,8 +18002,8 @@
           </p:sp>
         </mc:Fallback>
       </mc:AlternateContent>
-      <mc:AlternateContent xmlns:mc="http://schemas.openxmlformats.org/markup-compatibility/2006">
-        <mc:Choice xmlns:a14="http://schemas.microsoft.com/office/drawing/2010/main" Requires="a14">
+      <mc:AlternateContent xmlns:mc="http://schemas.openxmlformats.org/markup-compatibility/2006" xmlns:a14="http://schemas.microsoft.com/office/drawing/2010/main">
+        <mc:Choice Requires="a14">
           <p:sp>
             <p:nvSpPr>
               <p:cNvPr id="79" name="TextBox 78">
@@ -18149,7 +18157,7 @@
             </p:txBody>
           </p:sp>
         </mc:Choice>
-        <mc:Fallback>
+        <mc:Fallback xmlns="">
           <p:sp>
             <p:nvSpPr>
               <p:cNvPr id="79" name="TextBox 78">
@@ -19638,8 +19646,8 @@
           </p:txBody>
         </p:sp>
       </p:grpSp>
-      <mc:AlternateContent xmlns:mc="http://schemas.openxmlformats.org/markup-compatibility/2006">
-        <mc:Choice xmlns:a14="http://schemas.microsoft.com/office/drawing/2010/main" Requires="a14">
+      <mc:AlternateContent xmlns:mc="http://schemas.openxmlformats.org/markup-compatibility/2006" xmlns:a14="http://schemas.microsoft.com/office/drawing/2010/main">
+        <mc:Choice Requires="a14">
           <p:sp>
             <p:nvSpPr>
               <p:cNvPr id="69" name="TextBox 68">
@@ -19836,7 +19844,7 @@
             </p:txBody>
           </p:sp>
         </mc:Choice>
-        <mc:Fallback>
+        <mc:Fallback xmlns="">
           <p:sp>
             <p:nvSpPr>
               <p:cNvPr id="69" name="TextBox 68">
@@ -19926,8 +19934,8 @@
           </a:fontRef>
         </p:style>
       </p:cxnSp>
-      <mc:AlternateContent xmlns:mc="http://schemas.openxmlformats.org/markup-compatibility/2006">
-        <mc:Choice xmlns:a14="http://schemas.microsoft.com/office/drawing/2010/main" Requires="a14">
+      <mc:AlternateContent xmlns:mc="http://schemas.openxmlformats.org/markup-compatibility/2006" xmlns:a14="http://schemas.microsoft.com/office/drawing/2010/main">
+        <mc:Choice Requires="a14">
           <p:sp>
             <p:nvSpPr>
               <p:cNvPr id="71" name="TextBox 70">
@@ -20124,7 +20132,7 @@
             </p:txBody>
           </p:sp>
         </mc:Choice>
-        <mc:Fallback>
+        <mc:Fallback xmlns="">
           <p:sp>
             <p:nvSpPr>
               <p:cNvPr id="71" name="TextBox 70">
@@ -21171,8 +21179,8 @@
           </p:txBody>
         </p:sp>
       </p:grpSp>
-      <mc:AlternateContent xmlns:mc="http://schemas.openxmlformats.org/markup-compatibility/2006">
-        <mc:Choice xmlns:a14="http://schemas.microsoft.com/office/drawing/2010/main" Requires="a14">
+      <mc:AlternateContent xmlns:mc="http://schemas.openxmlformats.org/markup-compatibility/2006" xmlns:a14="http://schemas.microsoft.com/office/drawing/2010/main">
+        <mc:Choice Requires="a14">
           <p:sp>
             <p:nvSpPr>
               <p:cNvPr id="111" name="TextBox 110">
@@ -21269,7 +21277,7 @@
             </p:txBody>
           </p:sp>
         </mc:Choice>
-        <mc:Fallback>
+        <mc:Fallback xmlns="">
           <p:sp>
             <p:nvSpPr>
               <p:cNvPr id="111" name="TextBox 110">
@@ -21314,8 +21322,8 @@
           </p:sp>
         </mc:Fallback>
       </mc:AlternateContent>
-      <mc:AlternateContent xmlns:mc="http://schemas.openxmlformats.org/markup-compatibility/2006">
-        <mc:Choice xmlns:a14="http://schemas.microsoft.com/office/drawing/2010/main" Requires="a14">
+      <mc:AlternateContent xmlns:mc="http://schemas.openxmlformats.org/markup-compatibility/2006" xmlns:a14="http://schemas.microsoft.com/office/drawing/2010/main">
+        <mc:Choice Requires="a14">
           <p:sp>
             <p:nvSpPr>
               <p:cNvPr id="112" name="TextBox 111">
@@ -21412,7 +21420,7 @@
             </p:txBody>
           </p:sp>
         </mc:Choice>
-        <mc:Fallback>
+        <mc:Fallback xmlns="">
           <p:sp>
             <p:nvSpPr>
               <p:cNvPr id="112" name="TextBox 111">
@@ -21811,8 +21819,8 @@
           </p:txBody>
         </p:sp>
       </p:grpSp>
-      <mc:AlternateContent xmlns:mc="http://schemas.openxmlformats.org/markup-compatibility/2006">
-        <mc:Choice xmlns:a14="http://schemas.microsoft.com/office/drawing/2010/main" Requires="a14">
+      <mc:AlternateContent xmlns:mc="http://schemas.openxmlformats.org/markup-compatibility/2006" xmlns:a14="http://schemas.microsoft.com/office/drawing/2010/main">
+        <mc:Choice Requires="a14">
           <p:sp>
             <p:nvSpPr>
               <p:cNvPr id="120" name="TextBox 119">
@@ -21894,7 +21902,7 @@
             </p:txBody>
           </p:sp>
         </mc:Choice>
-        <mc:Fallback>
+        <mc:Fallback xmlns="">
           <p:sp>
             <p:nvSpPr>
               <p:cNvPr id="120" name="TextBox 119">
@@ -21939,8 +21947,8 @@
           </p:sp>
         </mc:Fallback>
       </mc:AlternateContent>
-      <mc:AlternateContent xmlns:mc="http://schemas.openxmlformats.org/markup-compatibility/2006">
-        <mc:Choice xmlns:a14="http://schemas.microsoft.com/office/drawing/2010/main" Requires="a14">
+      <mc:AlternateContent xmlns:mc="http://schemas.openxmlformats.org/markup-compatibility/2006" xmlns:a14="http://schemas.microsoft.com/office/drawing/2010/main">
+        <mc:Choice Requires="a14">
           <p:sp>
             <p:nvSpPr>
               <p:cNvPr id="121" name="TextBox 120">
@@ -22022,7 +22030,7 @@
             </p:txBody>
           </p:sp>
         </mc:Choice>
-        <mc:Fallback>
+        <mc:Fallback xmlns="">
           <p:sp>
             <p:nvSpPr>
               <p:cNvPr id="121" name="TextBox 120">
@@ -22172,8 +22180,8 @@
           </a:p>
         </p:txBody>
       </p:sp>
-      <mc:AlternateContent xmlns:mc="http://schemas.openxmlformats.org/markup-compatibility/2006">
-        <mc:Choice xmlns:a14="http://schemas.microsoft.com/office/drawing/2010/main" Requires="a14">
+      <mc:AlternateContent xmlns:mc="http://schemas.openxmlformats.org/markup-compatibility/2006" xmlns:a14="http://schemas.microsoft.com/office/drawing/2010/main">
+        <mc:Choice Requires="a14">
           <p:sp>
             <p:nvSpPr>
               <p:cNvPr id="124" name="TextBox 123">
@@ -22202,7 +22210,6 @@
               </a:bodyPr>
               <a:lstStyle/>
               <a:p>
-                <a:pPr/>
                 <a:r>
                   <a:rPr lang="en-US" sz="2000" b="0" dirty="0">
                     <a:solidFill>
@@ -22235,7 +22242,7 @@
             </p:txBody>
           </p:sp>
         </mc:Choice>
-        <mc:Fallback>
+        <mc:Fallback xmlns="">
           <p:sp>
             <p:nvSpPr>
               <p:cNvPr id="124" name="TextBox 123">
@@ -22280,8 +22287,8 @@
           </p:sp>
         </mc:Fallback>
       </mc:AlternateContent>
-      <mc:AlternateContent xmlns:mc="http://schemas.openxmlformats.org/markup-compatibility/2006">
-        <mc:Choice xmlns:a14="http://schemas.microsoft.com/office/drawing/2010/main" Requires="a14">
+      <mc:AlternateContent xmlns:mc="http://schemas.openxmlformats.org/markup-compatibility/2006" xmlns:a14="http://schemas.microsoft.com/office/drawing/2010/main">
+        <mc:Choice Requires="a14">
           <p:sp>
             <p:nvSpPr>
               <p:cNvPr id="125" name="TextBox 124">
@@ -22363,7 +22370,7 @@
             </p:txBody>
           </p:sp>
         </mc:Choice>
-        <mc:Fallback>
+        <mc:Fallback xmlns="">
           <p:sp>
             <p:nvSpPr>
               <p:cNvPr id="125" name="TextBox 124">
@@ -22408,8 +22415,8 @@
           </p:sp>
         </mc:Fallback>
       </mc:AlternateContent>
-      <mc:AlternateContent xmlns:mc="http://schemas.openxmlformats.org/markup-compatibility/2006">
-        <mc:Choice xmlns:a14="http://schemas.microsoft.com/office/drawing/2010/main" Requires="a14">
+      <mc:AlternateContent xmlns:mc="http://schemas.openxmlformats.org/markup-compatibility/2006" xmlns:a14="http://schemas.microsoft.com/office/drawing/2010/main">
+        <mc:Choice Requires="a14">
           <p:sp>
             <p:nvSpPr>
               <p:cNvPr id="126" name="TextBox 125">
@@ -22491,7 +22498,7 @@
             </p:txBody>
           </p:sp>
         </mc:Choice>
-        <mc:Fallback>
+        <mc:Fallback xmlns="">
           <p:sp>
             <p:nvSpPr>
               <p:cNvPr id="126" name="TextBox 125">
@@ -23365,8 +23372,8 @@
           </a:p>
         </p:txBody>
       </p:sp>
-      <mc:AlternateContent xmlns:mc="http://schemas.openxmlformats.org/markup-compatibility/2006">
-        <mc:Choice xmlns:a14="http://schemas.microsoft.com/office/drawing/2010/main" Requires="a14">
+      <mc:AlternateContent xmlns:mc="http://schemas.openxmlformats.org/markup-compatibility/2006" xmlns:a14="http://schemas.microsoft.com/office/drawing/2010/main">
+        <mc:Choice Requires="a14">
           <p:sp>
             <p:nvSpPr>
               <p:cNvPr id="16" name="TextBox 15">
@@ -23444,7 +23451,7 @@
             </p:txBody>
           </p:sp>
         </mc:Choice>
-        <mc:Fallback>
+        <mc:Fallback xmlns="">
           <p:sp>
             <p:nvSpPr>
               <p:cNvPr id="16" name="TextBox 15">
@@ -23545,8 +23552,8 @@
           </a:p>
         </p:txBody>
       </p:sp>
-      <mc:AlternateContent xmlns:mc="http://schemas.openxmlformats.org/markup-compatibility/2006">
-        <mc:Choice xmlns:a14="http://schemas.microsoft.com/office/drawing/2010/main" Requires="a14">
+      <mc:AlternateContent xmlns:mc="http://schemas.openxmlformats.org/markup-compatibility/2006" xmlns:a14="http://schemas.microsoft.com/office/drawing/2010/main">
+        <mc:Choice Requires="a14">
           <p:sp>
             <p:nvSpPr>
               <p:cNvPr id="20" name="TextBox 19">
@@ -23603,7 +23610,7 @@
             </p:txBody>
           </p:sp>
         </mc:Choice>
-        <mc:Fallback>
+        <mc:Fallback xmlns="">
           <p:sp>
             <p:nvSpPr>
               <p:cNvPr id="20" name="TextBox 19">
@@ -23705,8 +23712,8 @@
           </a:p>
         </p:txBody>
       </p:sp>
-      <mc:AlternateContent xmlns:mc="http://schemas.openxmlformats.org/markup-compatibility/2006">
-        <mc:Choice xmlns:a14="http://schemas.microsoft.com/office/drawing/2010/main" Requires="a14">
+      <mc:AlternateContent xmlns:mc="http://schemas.openxmlformats.org/markup-compatibility/2006" xmlns:a14="http://schemas.microsoft.com/office/drawing/2010/main">
+        <mc:Choice Requires="a14">
           <p:sp>
             <p:nvSpPr>
               <p:cNvPr id="30" name="TextBox 29">
@@ -23784,7 +23791,7 @@
             </p:txBody>
           </p:sp>
         </mc:Choice>
-        <mc:Fallback>
+        <mc:Fallback xmlns="">
           <p:sp>
             <p:nvSpPr>
               <p:cNvPr id="30" name="TextBox 29">
@@ -23874,8 +23881,8 @@
           </a:fontRef>
         </p:style>
       </p:cxnSp>
-      <mc:AlternateContent xmlns:mc="http://schemas.openxmlformats.org/markup-compatibility/2006">
-        <mc:Choice xmlns:a14="http://schemas.microsoft.com/office/drawing/2010/main" Requires="a14">
+      <mc:AlternateContent xmlns:mc="http://schemas.openxmlformats.org/markup-compatibility/2006" xmlns:a14="http://schemas.microsoft.com/office/drawing/2010/main">
+        <mc:Choice Requires="a14">
           <p:sp>
             <p:nvSpPr>
               <p:cNvPr id="32" name="TextBox 31">
@@ -23949,7 +23956,7 @@
             </p:txBody>
           </p:sp>
         </mc:Choice>
-        <mc:Fallback>
+        <mc:Fallback xmlns="">
           <p:sp>
             <p:nvSpPr>
               <p:cNvPr id="32" name="TextBox 31">
@@ -24658,8 +24665,8 @@
           </a:p>
         </p:txBody>
       </p:sp>
-      <mc:AlternateContent xmlns:mc="http://schemas.openxmlformats.org/markup-compatibility/2006">
-        <mc:Choice xmlns:a14="http://schemas.microsoft.com/office/drawing/2010/main" Requires="a14">
+      <mc:AlternateContent xmlns:mc="http://schemas.openxmlformats.org/markup-compatibility/2006" xmlns:a14="http://schemas.microsoft.com/office/drawing/2010/main">
+        <mc:Choice Requires="a14">
           <p:sp>
             <p:nvSpPr>
               <p:cNvPr id="16" name="TextBox 15">
@@ -24766,7 +24773,7 @@
             </p:txBody>
           </p:sp>
         </mc:Choice>
-        <mc:Fallback>
+        <mc:Fallback xmlns="">
           <p:sp>
             <p:nvSpPr>
               <p:cNvPr id="16" name="TextBox 15">
@@ -24811,8 +24818,8 @@
           </p:sp>
         </mc:Fallback>
       </mc:AlternateContent>
-      <mc:AlternateContent xmlns:mc="http://schemas.openxmlformats.org/markup-compatibility/2006">
-        <mc:Choice xmlns:a14="http://schemas.microsoft.com/office/drawing/2010/main" Requires="a14">
+      <mc:AlternateContent xmlns:mc="http://schemas.openxmlformats.org/markup-compatibility/2006" xmlns:a14="http://schemas.microsoft.com/office/drawing/2010/main">
+        <mc:Choice Requires="a14">
           <p:sp>
             <p:nvSpPr>
               <p:cNvPr id="17" name="TextBox 16">
@@ -24919,7 +24926,7 @@
             </p:txBody>
           </p:sp>
         </mc:Choice>
-        <mc:Fallback>
+        <mc:Fallback xmlns="">
           <p:sp>
             <p:nvSpPr>
               <p:cNvPr id="17" name="TextBox 16">
@@ -25076,8 +25083,8 @@
           </a:p>
         </p:txBody>
       </p:sp>
-      <mc:AlternateContent xmlns:mc="http://schemas.openxmlformats.org/markup-compatibility/2006">
-        <mc:Choice xmlns:a14="http://schemas.microsoft.com/office/drawing/2010/main" Requires="a14">
+      <mc:AlternateContent xmlns:mc="http://schemas.openxmlformats.org/markup-compatibility/2006" xmlns:a14="http://schemas.microsoft.com/office/drawing/2010/main">
+        <mc:Choice Requires="a14">
           <p:sp>
             <p:nvSpPr>
               <p:cNvPr id="20" name="TextBox 19">
@@ -25167,7 +25174,7 @@
             </p:txBody>
           </p:sp>
         </mc:Choice>
-        <mc:Fallback>
+        <mc:Fallback xmlns="">
           <p:sp>
             <p:nvSpPr>
               <p:cNvPr id="20" name="TextBox 19">
@@ -25212,8 +25219,8 @@
           </p:sp>
         </mc:Fallback>
       </mc:AlternateContent>
-      <mc:AlternateContent xmlns:mc="http://schemas.openxmlformats.org/markup-compatibility/2006">
-        <mc:Choice xmlns:a14="http://schemas.microsoft.com/office/drawing/2010/main" Requires="a14">
+      <mc:AlternateContent xmlns:mc="http://schemas.openxmlformats.org/markup-compatibility/2006" xmlns:a14="http://schemas.microsoft.com/office/drawing/2010/main">
+        <mc:Choice Requires="a14">
           <p:sp>
             <p:nvSpPr>
               <p:cNvPr id="21" name="TextBox 20">
@@ -25303,7 +25310,7 @@
             </p:txBody>
           </p:sp>
         </mc:Choice>
-        <mc:Fallback>
+        <mc:Fallback xmlns="">
           <p:sp>
             <p:nvSpPr>
               <p:cNvPr id="21" name="TextBox 20">
@@ -25407,8 +25414,8 @@
           </a:p>
         </p:txBody>
       </p:sp>
-      <mc:AlternateContent xmlns:mc="http://schemas.openxmlformats.org/markup-compatibility/2006">
-        <mc:Choice xmlns:a14="http://schemas.microsoft.com/office/drawing/2010/main" Requires="a14">
+      <mc:AlternateContent xmlns:mc="http://schemas.openxmlformats.org/markup-compatibility/2006" xmlns:a14="http://schemas.microsoft.com/office/drawing/2010/main">
+        <mc:Choice Requires="a14">
           <p:sp>
             <p:nvSpPr>
               <p:cNvPr id="23" name="TextBox 22">
@@ -25437,7 +25444,6 @@
               </a:bodyPr>
               <a:lstStyle/>
               <a:p>
-                <a:pPr/>
                 <a:r>
                   <a:rPr lang="en-US" sz="2000" b="0" dirty="0">
                     <a:solidFill>
@@ -25470,7 +25476,7 @@
             </p:txBody>
           </p:sp>
         </mc:Choice>
-        <mc:Fallback>
+        <mc:Fallback xmlns="">
           <p:sp>
             <p:nvSpPr>
               <p:cNvPr id="23" name="TextBox 22">
@@ -25696,8 +25702,8 @@
           </p:style>
         </p:cxnSp>
       </p:grpSp>
-      <mc:AlternateContent xmlns:mc="http://schemas.openxmlformats.org/markup-compatibility/2006">
-        <mc:Choice xmlns:a14="http://schemas.microsoft.com/office/drawing/2010/main" Requires="a14">
+      <mc:AlternateContent xmlns:mc="http://schemas.openxmlformats.org/markup-compatibility/2006" xmlns:a14="http://schemas.microsoft.com/office/drawing/2010/main">
+        <mc:Choice Requires="a14">
           <p:sp>
             <p:nvSpPr>
               <p:cNvPr id="29" name="TextBox 28">
@@ -25804,7 +25810,7 @@
             </p:txBody>
           </p:sp>
         </mc:Choice>
-        <mc:Fallback>
+        <mc:Fallback xmlns="">
           <p:sp>
             <p:nvSpPr>
               <p:cNvPr id="29" name="TextBox 28">
@@ -25849,8 +25855,8 @@
           </p:sp>
         </mc:Fallback>
       </mc:AlternateContent>
-      <mc:AlternateContent xmlns:mc="http://schemas.openxmlformats.org/markup-compatibility/2006">
-        <mc:Choice xmlns:a14="http://schemas.microsoft.com/office/drawing/2010/main" Requires="a14">
+      <mc:AlternateContent xmlns:mc="http://schemas.openxmlformats.org/markup-compatibility/2006" xmlns:a14="http://schemas.microsoft.com/office/drawing/2010/main">
+        <mc:Choice Requires="a14">
           <p:sp>
             <p:nvSpPr>
               <p:cNvPr id="30" name="TextBox 29">
@@ -25957,7 +25963,7 @@
             </p:txBody>
           </p:sp>
         </mc:Choice>
-        <mc:Fallback>
+        <mc:Fallback xmlns="">
           <p:sp>
             <p:nvSpPr>
               <p:cNvPr id="30" name="TextBox 29">
@@ -26703,8 +26709,8 @@
           </a:fontRef>
         </p:style>
       </p:cxnSp>
-      <mc:AlternateContent xmlns:mc="http://schemas.openxmlformats.org/markup-compatibility/2006">
-        <mc:Choice xmlns:a14="http://schemas.microsoft.com/office/drawing/2010/main" Requires="a14">
+      <mc:AlternateContent xmlns:mc="http://schemas.openxmlformats.org/markup-compatibility/2006" xmlns:a14="http://schemas.microsoft.com/office/drawing/2010/main">
+        <mc:Choice Requires="a14">
           <p:sp>
             <p:nvSpPr>
               <p:cNvPr id="121" name="TextBox 120">
@@ -26733,6 +26739,7 @@
               </a:bodyPr>
               <a:lstStyle/>
               <a:p>
+                <a:pPr/>
                 <a14:m>
                   <m:oMathPara xmlns:m="http://schemas.openxmlformats.org/officeDocument/2006/math">
                     <m:oMathParaPr>
@@ -26781,7 +26788,7 @@
             </p:txBody>
           </p:sp>
         </mc:Choice>
-        <mc:Fallback>
+        <mc:Fallback xmlns="">
           <p:sp>
             <p:nvSpPr>
               <p:cNvPr id="121" name="TextBox 120">
@@ -26826,8 +26833,8 @@
           </p:sp>
         </mc:Fallback>
       </mc:AlternateContent>
-      <mc:AlternateContent xmlns:mc="http://schemas.openxmlformats.org/markup-compatibility/2006">
-        <mc:Choice xmlns:a14="http://schemas.microsoft.com/office/drawing/2010/main" Requires="a14">
+      <mc:AlternateContent xmlns:mc="http://schemas.openxmlformats.org/markup-compatibility/2006" xmlns:a14="http://schemas.microsoft.com/office/drawing/2010/main">
+        <mc:Choice Requires="a14">
           <p:sp>
             <p:nvSpPr>
               <p:cNvPr id="122" name="TextBox 121">
@@ -26856,6 +26863,7 @@
               </a:bodyPr>
               <a:lstStyle/>
               <a:p>
+                <a:pPr/>
                 <a14:m>
                   <m:oMathPara xmlns:m="http://schemas.openxmlformats.org/officeDocument/2006/math">
                     <m:oMathParaPr>
@@ -26883,7 +26891,7 @@
             </p:txBody>
           </p:sp>
         </mc:Choice>
-        <mc:Fallback>
+        <mc:Fallback xmlns="">
           <p:sp>
             <p:nvSpPr>
               <p:cNvPr id="122" name="TextBox 121">
@@ -27018,8 +27026,8 @@
           </a:fontRef>
         </p:style>
       </p:cxnSp>
-      <mc:AlternateContent xmlns:mc="http://schemas.openxmlformats.org/markup-compatibility/2006">
-        <mc:Choice xmlns:a14="http://schemas.microsoft.com/office/drawing/2010/main" Requires="a14">
+      <mc:AlternateContent xmlns:mc="http://schemas.openxmlformats.org/markup-compatibility/2006" xmlns:a14="http://schemas.microsoft.com/office/drawing/2010/main">
+        <mc:Choice Requires="a14">
           <p:sp>
             <p:nvSpPr>
               <p:cNvPr id="125" name="TextBox 124">
@@ -27072,7 +27080,7 @@
             </p:txBody>
           </p:sp>
         </mc:Choice>
-        <mc:Fallback>
+        <mc:Fallback xmlns="">
           <p:sp>
             <p:nvSpPr>
               <p:cNvPr id="125" name="TextBox 124">
@@ -27117,8 +27125,8 @@
           </p:sp>
         </mc:Fallback>
       </mc:AlternateContent>
-      <mc:AlternateContent xmlns:mc="http://schemas.openxmlformats.org/markup-compatibility/2006">
-        <mc:Choice xmlns:a14="http://schemas.microsoft.com/office/drawing/2010/main" Requires="a14">
+      <mc:AlternateContent xmlns:mc="http://schemas.openxmlformats.org/markup-compatibility/2006" xmlns:a14="http://schemas.microsoft.com/office/drawing/2010/main">
+        <mc:Choice Requires="a14">
           <p:sp>
             <p:nvSpPr>
               <p:cNvPr id="126" name="TextBox 125">
@@ -27147,6 +27155,7 @@
               </a:bodyPr>
               <a:lstStyle/>
               <a:p>
+                <a:pPr/>
                 <a14:m>
                   <m:oMathPara xmlns:m="http://schemas.openxmlformats.org/officeDocument/2006/math">
                     <m:oMathParaPr>
@@ -27205,7 +27214,7 @@
             </p:txBody>
           </p:sp>
         </mc:Choice>
-        <mc:Fallback>
+        <mc:Fallback xmlns="">
           <p:sp>
             <p:nvSpPr>
               <p:cNvPr id="126" name="TextBox 125">
@@ -27289,8 +27298,8 @@
           </a:p>
         </p:txBody>
       </p:sp>
-      <mc:AlternateContent xmlns:mc="http://schemas.openxmlformats.org/markup-compatibility/2006">
-        <mc:Choice xmlns:a14="http://schemas.microsoft.com/office/drawing/2010/main" Requires="a14">
+      <mc:AlternateContent xmlns:mc="http://schemas.openxmlformats.org/markup-compatibility/2006" xmlns:a14="http://schemas.microsoft.com/office/drawing/2010/main">
+        <mc:Choice Requires="a14">
           <p:sp>
             <p:nvSpPr>
               <p:cNvPr id="130" name="TextBox 129">
@@ -27358,7 +27367,7 @@
             </p:txBody>
           </p:sp>
         </mc:Choice>
-        <mc:Fallback>
+        <mc:Fallback xmlns="">
           <p:sp>
             <p:nvSpPr>
               <p:cNvPr id="130" name="TextBox 129">
@@ -27403,8 +27412,8 @@
           </p:sp>
         </mc:Fallback>
       </mc:AlternateContent>
-      <mc:AlternateContent xmlns:mc="http://schemas.openxmlformats.org/markup-compatibility/2006">
-        <mc:Choice xmlns:a14="http://schemas.microsoft.com/office/drawing/2010/main" Requires="a14">
+      <mc:AlternateContent xmlns:mc="http://schemas.openxmlformats.org/markup-compatibility/2006" xmlns:a14="http://schemas.microsoft.com/office/drawing/2010/main">
+        <mc:Choice Requires="a14">
           <p:sp>
             <p:nvSpPr>
               <p:cNvPr id="132" name="TextBox 131">
@@ -27433,6 +27442,7 @@
               </a:bodyPr>
               <a:lstStyle/>
               <a:p>
+                <a:pPr/>
                 <a14:m>
                   <m:oMathPara xmlns:m="http://schemas.openxmlformats.org/officeDocument/2006/math">
                     <m:oMathParaPr>
@@ -27485,7 +27495,7 @@
             </p:txBody>
           </p:sp>
         </mc:Choice>
-        <mc:Fallback>
+        <mc:Fallback xmlns="">
           <p:sp>
             <p:nvSpPr>
               <p:cNvPr id="132" name="TextBox 131">
@@ -27530,8 +27540,8 @@
           </p:sp>
         </mc:Fallback>
       </mc:AlternateContent>
-      <mc:AlternateContent xmlns:mc="http://schemas.openxmlformats.org/markup-compatibility/2006">
-        <mc:Choice xmlns:a14="http://schemas.microsoft.com/office/drawing/2010/main" Requires="a14">
+      <mc:AlternateContent xmlns:mc="http://schemas.openxmlformats.org/markup-compatibility/2006" xmlns:a14="http://schemas.microsoft.com/office/drawing/2010/main">
+        <mc:Choice Requires="a14">
           <p:sp>
             <p:nvSpPr>
               <p:cNvPr id="133" name="TextBox 132">
@@ -27560,6 +27570,7 @@
               </a:bodyPr>
               <a:lstStyle/>
               <a:p>
+                <a:pPr/>
                 <a14:m>
                   <m:oMathPara xmlns:m="http://schemas.openxmlformats.org/officeDocument/2006/math">
                     <m:oMathParaPr>
@@ -27608,7 +27619,7 @@
             </p:txBody>
           </p:sp>
         </mc:Choice>
-        <mc:Fallback>
+        <mc:Fallback xmlns="">
           <p:sp>
             <p:nvSpPr>
               <p:cNvPr id="133" name="TextBox 132">
@@ -28160,8 +28171,8 @@
           </a:p>
         </p:txBody>
       </p:sp>
-      <mc:AlternateContent xmlns:mc="http://schemas.openxmlformats.org/markup-compatibility/2006">
-        <mc:Choice xmlns:a14="http://schemas.microsoft.com/office/drawing/2010/main" Requires="a14">
+      <mc:AlternateContent xmlns:mc="http://schemas.openxmlformats.org/markup-compatibility/2006" xmlns:a14="http://schemas.microsoft.com/office/drawing/2010/main">
+        <mc:Choice Requires="a14">
           <p:sp>
             <p:nvSpPr>
               <p:cNvPr id="144" name="TextBox 143">
@@ -28190,6 +28201,7 @@
               </a:bodyPr>
               <a:lstStyle/>
               <a:p>
+                <a:pPr/>
                 <a14:m>
                   <m:oMathPara xmlns:m="http://schemas.openxmlformats.org/officeDocument/2006/math">
                     <m:oMathParaPr>
@@ -28248,7 +28260,7 @@
             </p:txBody>
           </p:sp>
         </mc:Choice>
-        <mc:Fallback>
+        <mc:Fallback xmlns="">
           <p:sp>
             <p:nvSpPr>
               <p:cNvPr id="144" name="TextBox 143">
@@ -28293,8 +28305,8 @@
           </p:sp>
         </mc:Fallback>
       </mc:AlternateContent>
-      <mc:AlternateContent xmlns:mc="http://schemas.openxmlformats.org/markup-compatibility/2006">
-        <mc:Choice xmlns:a14="http://schemas.microsoft.com/office/drawing/2010/main" Requires="a14">
+      <mc:AlternateContent xmlns:mc="http://schemas.openxmlformats.org/markup-compatibility/2006" xmlns:a14="http://schemas.microsoft.com/office/drawing/2010/main">
+        <mc:Choice Requires="a14">
           <p:sp>
             <p:nvSpPr>
               <p:cNvPr id="145" name="TextBox 144">
@@ -28323,6 +28335,7 @@
               </a:bodyPr>
               <a:lstStyle/>
               <a:p>
+                <a:pPr/>
                 <a14:m>
                   <m:oMathPara xmlns:m="http://schemas.openxmlformats.org/officeDocument/2006/math">
                     <m:oMathParaPr>
@@ -28381,7 +28394,7 @@
             </p:txBody>
           </p:sp>
         </mc:Choice>
-        <mc:Fallback>
+        <mc:Fallback xmlns="">
           <p:sp>
             <p:nvSpPr>
               <p:cNvPr id="145" name="TextBox 144">
@@ -28485,8 +28498,8 @@
           </a:p>
         </p:txBody>
       </p:sp>
-      <mc:AlternateContent xmlns:mc="http://schemas.openxmlformats.org/markup-compatibility/2006">
-        <mc:Choice xmlns:a14="http://schemas.microsoft.com/office/drawing/2010/main" Requires="a14">
+      <mc:AlternateContent xmlns:mc="http://schemas.openxmlformats.org/markup-compatibility/2006" xmlns:a14="http://schemas.microsoft.com/office/drawing/2010/main">
+        <mc:Choice Requires="a14">
           <p:sp>
             <p:nvSpPr>
               <p:cNvPr id="147" name="TextBox 146">
@@ -28515,6 +28528,7 @@
               </a:bodyPr>
               <a:lstStyle/>
               <a:p>
+                <a:pPr/>
                 <a14:m>
                   <m:oMathPara xmlns:m="http://schemas.openxmlformats.org/officeDocument/2006/math">
                     <m:oMathParaPr>
@@ -28556,7 +28570,7 @@
             </p:txBody>
           </p:sp>
         </mc:Choice>
-        <mc:Fallback>
+        <mc:Fallback xmlns="">
           <p:sp>
             <p:nvSpPr>
               <p:cNvPr id="147" name="TextBox 146">
@@ -29302,8 +29316,8 @@
           </a:fontRef>
         </p:style>
       </p:cxnSp>
-      <mc:AlternateContent xmlns:mc="http://schemas.openxmlformats.org/markup-compatibility/2006">
-        <mc:Choice xmlns:a14="http://schemas.microsoft.com/office/drawing/2010/main" Requires="a14">
+      <mc:AlternateContent xmlns:mc="http://schemas.openxmlformats.org/markup-compatibility/2006" xmlns:a14="http://schemas.microsoft.com/office/drawing/2010/main">
+        <mc:Choice Requires="a14">
           <p:sp>
             <p:nvSpPr>
               <p:cNvPr id="17" name="TextBox 16">
@@ -29332,6 +29346,7 @@
               </a:bodyPr>
               <a:lstStyle/>
               <a:p>
+                <a:pPr/>
                 <a14:m>
                   <m:oMathPara xmlns:m="http://schemas.openxmlformats.org/officeDocument/2006/math">
                     <m:oMathParaPr>
@@ -29380,7 +29395,7 @@
             </p:txBody>
           </p:sp>
         </mc:Choice>
-        <mc:Fallback>
+        <mc:Fallback xmlns="">
           <p:sp>
             <p:nvSpPr>
               <p:cNvPr id="17" name="TextBox 16">
@@ -29425,8 +29440,8 @@
           </p:sp>
         </mc:Fallback>
       </mc:AlternateContent>
-      <mc:AlternateContent xmlns:mc="http://schemas.openxmlformats.org/markup-compatibility/2006">
-        <mc:Choice xmlns:a14="http://schemas.microsoft.com/office/drawing/2010/main" Requires="a14">
+      <mc:AlternateContent xmlns:mc="http://schemas.openxmlformats.org/markup-compatibility/2006" xmlns:a14="http://schemas.microsoft.com/office/drawing/2010/main">
+        <mc:Choice Requires="a14">
           <p:sp>
             <p:nvSpPr>
               <p:cNvPr id="18" name="TextBox 17">
@@ -29455,6 +29470,7 @@
               </a:bodyPr>
               <a:lstStyle/>
               <a:p>
+                <a:pPr/>
                 <a14:m>
                   <m:oMathPara xmlns:m="http://schemas.openxmlformats.org/officeDocument/2006/math">
                     <m:oMathParaPr>
@@ -29482,7 +29498,7 @@
             </p:txBody>
           </p:sp>
         </mc:Choice>
-        <mc:Fallback>
+        <mc:Fallback xmlns="">
           <p:sp>
             <p:nvSpPr>
               <p:cNvPr id="18" name="TextBox 17">
@@ -29617,8 +29633,8 @@
           </a:fontRef>
         </p:style>
       </p:cxnSp>
-      <mc:AlternateContent xmlns:mc="http://schemas.openxmlformats.org/markup-compatibility/2006">
-        <mc:Choice xmlns:a14="http://schemas.microsoft.com/office/drawing/2010/main" Requires="a14">
+      <mc:AlternateContent xmlns:mc="http://schemas.openxmlformats.org/markup-compatibility/2006" xmlns:a14="http://schemas.microsoft.com/office/drawing/2010/main">
+        <mc:Choice Requires="a14">
           <p:sp>
             <p:nvSpPr>
               <p:cNvPr id="21" name="TextBox 20">
@@ -29671,7 +29687,7 @@
             </p:txBody>
           </p:sp>
         </mc:Choice>
-        <mc:Fallback>
+        <mc:Fallback xmlns="">
           <p:sp>
             <p:nvSpPr>
               <p:cNvPr id="21" name="TextBox 20">
@@ -29716,8 +29732,8 @@
           </p:sp>
         </mc:Fallback>
       </mc:AlternateContent>
-      <mc:AlternateContent xmlns:mc="http://schemas.openxmlformats.org/markup-compatibility/2006">
-        <mc:Choice xmlns:a14="http://schemas.microsoft.com/office/drawing/2010/main" Requires="a14">
+      <mc:AlternateContent xmlns:mc="http://schemas.openxmlformats.org/markup-compatibility/2006" xmlns:a14="http://schemas.microsoft.com/office/drawing/2010/main">
+        <mc:Choice Requires="a14">
           <p:sp>
             <p:nvSpPr>
               <p:cNvPr id="22" name="TextBox 21">
@@ -29746,6 +29762,7 @@
               </a:bodyPr>
               <a:lstStyle/>
               <a:p>
+                <a:pPr/>
                 <a14:m>
                   <m:oMathPara xmlns:m="http://schemas.openxmlformats.org/officeDocument/2006/math">
                     <m:oMathParaPr>
@@ -29804,7 +29821,7 @@
             </p:txBody>
           </p:sp>
         </mc:Choice>
-        <mc:Fallback>
+        <mc:Fallback xmlns="">
           <p:sp>
             <p:nvSpPr>
               <p:cNvPr id="22" name="TextBox 21">
@@ -29888,8 +29905,8 @@
           </a:p>
         </p:txBody>
       </p:sp>
-      <mc:AlternateContent xmlns:mc="http://schemas.openxmlformats.org/markup-compatibility/2006">
-        <mc:Choice xmlns:a14="http://schemas.microsoft.com/office/drawing/2010/main" Requires="a14">
+      <mc:AlternateContent xmlns:mc="http://schemas.openxmlformats.org/markup-compatibility/2006" xmlns:a14="http://schemas.microsoft.com/office/drawing/2010/main">
+        <mc:Choice Requires="a14">
           <p:sp>
             <p:nvSpPr>
               <p:cNvPr id="24" name="TextBox 23">
@@ -29957,7 +29974,7 @@
             </p:txBody>
           </p:sp>
         </mc:Choice>
-        <mc:Fallback>
+        <mc:Fallback xmlns="">
           <p:sp>
             <p:nvSpPr>
               <p:cNvPr id="24" name="TextBox 23">
@@ -30002,8 +30019,8 @@
           </p:sp>
         </mc:Fallback>
       </mc:AlternateContent>
-      <mc:AlternateContent xmlns:mc="http://schemas.openxmlformats.org/markup-compatibility/2006">
-        <mc:Choice xmlns:a14="http://schemas.microsoft.com/office/drawing/2010/main" Requires="a14">
+      <mc:AlternateContent xmlns:mc="http://schemas.openxmlformats.org/markup-compatibility/2006" xmlns:a14="http://schemas.microsoft.com/office/drawing/2010/main">
+        <mc:Choice Requires="a14">
           <p:sp>
             <p:nvSpPr>
               <p:cNvPr id="25" name="TextBox 24">
@@ -30032,6 +30049,7 @@
               </a:bodyPr>
               <a:lstStyle/>
               <a:p>
+                <a:pPr/>
                 <a14:m>
                   <m:oMathPara xmlns:m="http://schemas.openxmlformats.org/officeDocument/2006/math">
                     <m:oMathParaPr>
@@ -30084,7 +30102,7 @@
             </p:txBody>
           </p:sp>
         </mc:Choice>
-        <mc:Fallback>
+        <mc:Fallback xmlns="">
           <p:sp>
             <p:nvSpPr>
               <p:cNvPr id="25" name="TextBox 24">
@@ -30129,8 +30147,8 @@
           </p:sp>
         </mc:Fallback>
       </mc:AlternateContent>
-      <mc:AlternateContent xmlns:mc="http://schemas.openxmlformats.org/markup-compatibility/2006">
-        <mc:Choice xmlns:a14="http://schemas.microsoft.com/office/drawing/2010/main" Requires="a14">
+      <mc:AlternateContent xmlns:mc="http://schemas.openxmlformats.org/markup-compatibility/2006" xmlns:a14="http://schemas.microsoft.com/office/drawing/2010/main">
+        <mc:Choice Requires="a14">
           <p:sp>
             <p:nvSpPr>
               <p:cNvPr id="26" name="TextBox 25">
@@ -30159,6 +30177,7 @@
               </a:bodyPr>
               <a:lstStyle/>
               <a:p>
+                <a:pPr/>
                 <a14:m>
                   <m:oMathPara xmlns:m="http://schemas.openxmlformats.org/officeDocument/2006/math">
                     <m:oMathParaPr>
@@ -30207,7 +30226,7 @@
             </p:txBody>
           </p:sp>
         </mc:Choice>
-        <mc:Fallback>
+        <mc:Fallback xmlns="">
           <p:sp>
             <p:nvSpPr>
               <p:cNvPr id="26" name="TextBox 25">
@@ -30651,8 +30670,8 @@
           </a:p>
         </p:txBody>
       </p:sp>
-      <mc:AlternateContent xmlns:mc="http://schemas.openxmlformats.org/markup-compatibility/2006">
-        <mc:Choice xmlns:a14="http://schemas.microsoft.com/office/drawing/2010/main" Requires="a14">
+      <mc:AlternateContent xmlns:mc="http://schemas.openxmlformats.org/markup-compatibility/2006" xmlns:a14="http://schemas.microsoft.com/office/drawing/2010/main">
+        <mc:Choice Requires="a14">
           <p:sp>
             <p:nvSpPr>
               <p:cNvPr id="37" name="TextBox 36">
@@ -30681,6 +30700,7 @@
               </a:bodyPr>
               <a:lstStyle/>
               <a:p>
+                <a:pPr/>
                 <a14:m>
                   <m:oMathPara xmlns:m="http://schemas.openxmlformats.org/officeDocument/2006/math">
                     <m:oMathParaPr>
@@ -30739,7 +30759,7 @@
             </p:txBody>
           </p:sp>
         </mc:Choice>
-        <mc:Fallback>
+        <mc:Fallback xmlns="">
           <p:sp>
             <p:nvSpPr>
               <p:cNvPr id="37" name="TextBox 36">
@@ -30784,8 +30804,8 @@
           </p:sp>
         </mc:Fallback>
       </mc:AlternateContent>
-      <mc:AlternateContent xmlns:mc="http://schemas.openxmlformats.org/markup-compatibility/2006">
-        <mc:Choice xmlns:a14="http://schemas.microsoft.com/office/drawing/2010/main" Requires="a14">
+      <mc:AlternateContent xmlns:mc="http://schemas.openxmlformats.org/markup-compatibility/2006" xmlns:a14="http://schemas.microsoft.com/office/drawing/2010/main">
+        <mc:Choice Requires="a14">
           <p:sp>
             <p:nvSpPr>
               <p:cNvPr id="38" name="TextBox 37">
@@ -30814,6 +30834,7 @@
               </a:bodyPr>
               <a:lstStyle/>
               <a:p>
+                <a:pPr/>
                 <a14:m>
                   <m:oMathPara xmlns:m="http://schemas.openxmlformats.org/officeDocument/2006/math">
                     <m:oMathParaPr>
@@ -30872,7 +30893,7 @@
             </p:txBody>
           </p:sp>
         </mc:Choice>
-        <mc:Fallback>
+        <mc:Fallback xmlns="">
           <p:sp>
             <p:nvSpPr>
               <p:cNvPr id="38" name="TextBox 37">
@@ -31167,8 +31188,8 @@
           </a:fontRef>
         </p:style>
       </p:cxnSp>
-      <mc:AlternateContent xmlns:mc="http://schemas.openxmlformats.org/markup-compatibility/2006">
-        <mc:Choice xmlns:a14="http://schemas.microsoft.com/office/drawing/2010/main" Requires="a14">
+      <mc:AlternateContent xmlns:mc="http://schemas.openxmlformats.org/markup-compatibility/2006" xmlns:a14="http://schemas.microsoft.com/office/drawing/2010/main">
+        <mc:Choice Requires="a14">
           <p:sp>
             <p:nvSpPr>
               <p:cNvPr id="7" name="TextBox 6">
@@ -31221,7 +31242,7 @@
             </p:txBody>
           </p:sp>
         </mc:Choice>
-        <mc:Fallback>
+        <mc:Fallback xmlns="">
           <p:sp>
             <p:nvSpPr>
               <p:cNvPr id="7" name="TextBox 6">
@@ -31266,8 +31287,8 @@
           </p:sp>
         </mc:Fallback>
       </mc:AlternateContent>
-      <mc:AlternateContent xmlns:mc="http://schemas.openxmlformats.org/markup-compatibility/2006">
-        <mc:Choice xmlns:a14="http://schemas.microsoft.com/office/drawing/2010/main" Requires="a14">
+      <mc:AlternateContent xmlns:mc="http://schemas.openxmlformats.org/markup-compatibility/2006" xmlns:a14="http://schemas.microsoft.com/office/drawing/2010/main">
+        <mc:Choice Requires="a14">
           <p:sp>
             <p:nvSpPr>
               <p:cNvPr id="8" name="TextBox 7">
@@ -31335,7 +31356,7 @@
             </p:txBody>
           </p:sp>
         </mc:Choice>
-        <mc:Fallback>
+        <mc:Fallback xmlns="">
           <p:sp>
             <p:nvSpPr>
               <p:cNvPr id="8" name="TextBox 7">
@@ -31380,8 +31401,8 @@
           </p:sp>
         </mc:Fallback>
       </mc:AlternateContent>
-      <mc:AlternateContent xmlns:mc="http://schemas.openxmlformats.org/markup-compatibility/2006">
-        <mc:Choice xmlns:a14="http://schemas.microsoft.com/office/drawing/2010/main" Requires="a14">
+      <mc:AlternateContent xmlns:mc="http://schemas.openxmlformats.org/markup-compatibility/2006" xmlns:a14="http://schemas.microsoft.com/office/drawing/2010/main">
+        <mc:Choice Requires="a14">
           <p:sp>
             <p:nvSpPr>
               <p:cNvPr id="9" name="TextBox 8">
@@ -31410,7 +31431,6 @@
               </a:bodyPr>
               <a:lstStyle/>
               <a:p>
-                <a:pPr/>
                 <a14:m>
                   <m:oMath xmlns:m="http://schemas.openxmlformats.org/officeDocument/2006/math">
                     <m:acc>
@@ -31573,7 +31593,7 @@
             </p:txBody>
           </p:sp>
         </mc:Choice>
-        <mc:Fallback>
+        <mc:Fallback xmlns="">
           <p:sp>
             <p:nvSpPr>
               <p:cNvPr id="9" name="TextBox 8">
@@ -31921,8 +31941,8 @@
           </a:fontRef>
         </p:style>
       </p:cxnSp>
-      <mc:AlternateContent xmlns:mc="http://schemas.openxmlformats.org/markup-compatibility/2006">
-        <mc:Choice xmlns:a14="http://schemas.microsoft.com/office/drawing/2010/main" Requires="a14">
+      <mc:AlternateContent xmlns:mc="http://schemas.openxmlformats.org/markup-compatibility/2006" xmlns:a14="http://schemas.microsoft.com/office/drawing/2010/main">
+        <mc:Choice Requires="a14">
           <p:sp>
             <p:nvSpPr>
               <p:cNvPr id="17" name="TextBox 16">
@@ -31951,6 +31971,7 @@
               </a:bodyPr>
               <a:lstStyle/>
               <a:p>
+                <a:pPr/>
                 <a14:m>
                   <m:oMathPara xmlns:m="http://schemas.openxmlformats.org/officeDocument/2006/math">
                     <m:oMathParaPr>
@@ -31974,7 +31995,7 @@
             </p:txBody>
           </p:sp>
         </mc:Choice>
-        <mc:Fallback>
+        <mc:Fallback xmlns="">
           <p:sp>
             <p:nvSpPr>
               <p:cNvPr id="17" name="TextBox 16">
@@ -32019,8 +32040,8 @@
           </p:sp>
         </mc:Fallback>
       </mc:AlternateContent>
-      <mc:AlternateContent xmlns:mc="http://schemas.openxmlformats.org/markup-compatibility/2006">
-        <mc:Choice xmlns:a14="http://schemas.microsoft.com/office/drawing/2010/main" Requires="a14">
+      <mc:AlternateContent xmlns:mc="http://schemas.openxmlformats.org/markup-compatibility/2006" xmlns:a14="http://schemas.microsoft.com/office/drawing/2010/main">
+        <mc:Choice Requires="a14">
           <p:sp>
             <p:nvSpPr>
               <p:cNvPr id="18" name="TextBox 17">
@@ -32049,6 +32070,7 @@
               </a:bodyPr>
               <a:lstStyle/>
               <a:p>
+                <a:pPr/>
                 <a14:m>
                   <m:oMathPara xmlns:m="http://schemas.openxmlformats.org/officeDocument/2006/math">
                     <m:oMathParaPr>
@@ -32076,7 +32098,7 @@
             </p:txBody>
           </p:sp>
         </mc:Choice>
-        <mc:Fallback>
+        <mc:Fallback xmlns="">
           <p:sp>
             <p:nvSpPr>
               <p:cNvPr id="18" name="TextBox 17">
@@ -32121,8 +32143,8 @@
           </p:sp>
         </mc:Fallback>
       </mc:AlternateContent>
-      <mc:AlternateContent xmlns:mc="http://schemas.openxmlformats.org/markup-compatibility/2006">
-        <mc:Choice xmlns:a14="http://schemas.microsoft.com/office/drawing/2010/main" Requires="a14">
+      <mc:AlternateContent xmlns:mc="http://schemas.openxmlformats.org/markup-compatibility/2006" xmlns:a14="http://schemas.microsoft.com/office/drawing/2010/main">
+        <mc:Choice Requires="a14">
           <p:sp>
             <p:nvSpPr>
               <p:cNvPr id="20" name="TextBox 19">
@@ -32151,6 +32173,7 @@
               </a:bodyPr>
               <a:lstStyle/>
               <a:p>
+                <a:pPr/>
                 <a14:m>
                   <m:oMathPara xmlns:m="http://schemas.openxmlformats.org/officeDocument/2006/math">
                     <m:oMathParaPr>
@@ -32203,7 +32226,7 @@
             </p:txBody>
           </p:sp>
         </mc:Choice>
-        <mc:Fallback>
+        <mc:Fallback xmlns="">
           <p:sp>
             <p:nvSpPr>
               <p:cNvPr id="20" name="TextBox 19">
@@ -32248,8 +32271,8 @@
           </p:sp>
         </mc:Fallback>
       </mc:AlternateContent>
-      <mc:AlternateContent xmlns:mc="http://schemas.openxmlformats.org/markup-compatibility/2006">
-        <mc:Choice xmlns:a14="http://schemas.microsoft.com/office/drawing/2010/main" Requires="a14">
+      <mc:AlternateContent xmlns:mc="http://schemas.openxmlformats.org/markup-compatibility/2006" xmlns:a14="http://schemas.microsoft.com/office/drawing/2010/main">
+        <mc:Choice Requires="a14">
           <p:sp>
             <p:nvSpPr>
               <p:cNvPr id="22" name="TextBox 21">
@@ -32278,6 +32301,7 @@
               </a:bodyPr>
               <a:lstStyle/>
               <a:p>
+                <a:pPr/>
                 <a14:m>
                   <m:oMathPara xmlns:m="http://schemas.openxmlformats.org/officeDocument/2006/math">
                     <m:oMathParaPr>
@@ -32305,7 +32329,7 @@
             </p:txBody>
           </p:sp>
         </mc:Choice>
-        <mc:Fallback>
+        <mc:Fallback xmlns="">
           <p:sp>
             <p:nvSpPr>
               <p:cNvPr id="22" name="TextBox 21">
@@ -32350,8 +32374,8 @@
           </p:sp>
         </mc:Fallback>
       </mc:AlternateContent>
-      <mc:AlternateContent xmlns:mc="http://schemas.openxmlformats.org/markup-compatibility/2006">
-        <mc:Choice xmlns:a14="http://schemas.microsoft.com/office/drawing/2010/main" Requires="a14">
+      <mc:AlternateContent xmlns:mc="http://schemas.openxmlformats.org/markup-compatibility/2006" xmlns:a14="http://schemas.microsoft.com/office/drawing/2010/main">
+        <mc:Choice Requires="a14">
           <p:sp>
             <p:nvSpPr>
               <p:cNvPr id="23" name="TextBox 22">
@@ -32380,6 +32404,7 @@
               </a:bodyPr>
               <a:lstStyle/>
               <a:p>
+                <a:pPr/>
                 <a14:m>
                   <m:oMathPara xmlns:m="http://schemas.openxmlformats.org/officeDocument/2006/math">
                     <m:oMathParaPr>
@@ -32403,7 +32428,7 @@
             </p:txBody>
           </p:sp>
         </mc:Choice>
-        <mc:Fallback>
+        <mc:Fallback xmlns="">
           <p:sp>
             <p:nvSpPr>
               <p:cNvPr id="23" name="TextBox 22">
@@ -32448,8 +32473,8 @@
           </p:sp>
         </mc:Fallback>
       </mc:AlternateContent>
-      <mc:AlternateContent xmlns:mc="http://schemas.openxmlformats.org/markup-compatibility/2006">
-        <mc:Choice xmlns:a14="http://schemas.microsoft.com/office/drawing/2010/main" Requires="a14">
+      <mc:AlternateContent xmlns:mc="http://schemas.openxmlformats.org/markup-compatibility/2006" xmlns:a14="http://schemas.microsoft.com/office/drawing/2010/main">
+        <mc:Choice Requires="a14">
           <p:sp>
             <p:nvSpPr>
               <p:cNvPr id="26" name="TextBox 25">
@@ -32478,6 +32503,7 @@
               </a:bodyPr>
               <a:lstStyle/>
               <a:p>
+                <a:pPr/>
                 <a14:m>
                   <m:oMathPara xmlns:m="http://schemas.openxmlformats.org/officeDocument/2006/math">
                     <m:oMathParaPr>
@@ -32530,7 +32556,7 @@
             </p:txBody>
           </p:sp>
         </mc:Choice>
-        <mc:Fallback>
+        <mc:Fallback xmlns="">
           <p:sp>
             <p:nvSpPr>
               <p:cNvPr id="26" name="TextBox 25">
@@ -32631,8 +32657,8 @@
           </a:p>
         </p:txBody>
       </p:sp>
-      <mc:AlternateContent xmlns:mc="http://schemas.openxmlformats.org/markup-compatibility/2006">
-        <mc:Choice xmlns:a14="http://schemas.microsoft.com/office/drawing/2010/main" Requires="a14">
+      <mc:AlternateContent xmlns:mc="http://schemas.openxmlformats.org/markup-compatibility/2006" xmlns:a14="http://schemas.microsoft.com/office/drawing/2010/main">
+        <mc:Choice Requires="a14">
           <p:sp>
             <p:nvSpPr>
               <p:cNvPr id="33" name="TextBox 32">
@@ -32661,6 +32687,7 @@
               </a:bodyPr>
               <a:lstStyle/>
               <a:p>
+                <a:pPr/>
                 <a14:m>
                   <m:oMathPara xmlns:m="http://schemas.openxmlformats.org/officeDocument/2006/math">
                     <m:oMathParaPr>
@@ -32719,7 +32746,7 @@
             </p:txBody>
           </p:sp>
         </mc:Choice>
-        <mc:Fallback>
+        <mc:Fallback xmlns="">
           <p:sp>
             <p:nvSpPr>
               <p:cNvPr id="33" name="TextBox 32">
@@ -32820,8 +32847,8 @@
           </a:p>
         </p:txBody>
       </p:sp>
-      <mc:AlternateContent xmlns:mc="http://schemas.openxmlformats.org/markup-compatibility/2006">
-        <mc:Choice xmlns:a14="http://schemas.microsoft.com/office/drawing/2010/main" Requires="a14">
+      <mc:AlternateContent xmlns:mc="http://schemas.openxmlformats.org/markup-compatibility/2006" xmlns:a14="http://schemas.microsoft.com/office/drawing/2010/main">
+        <mc:Choice Requires="a14">
           <p:sp>
             <p:nvSpPr>
               <p:cNvPr id="19" name="TextBox 18">
@@ -32850,6 +32877,7 @@
               </a:bodyPr>
               <a:lstStyle/>
               <a:p>
+                <a:pPr/>
                 <a14:m>
                   <m:oMathPara xmlns:m="http://schemas.openxmlformats.org/officeDocument/2006/math">
                     <m:oMathParaPr>
@@ -32881,7 +32909,7 @@
             </p:txBody>
           </p:sp>
         </mc:Choice>
-        <mc:Fallback>
+        <mc:Fallback xmlns="">
           <p:sp>
             <p:nvSpPr>
               <p:cNvPr id="19" name="TextBox 18">
@@ -33077,8 +33105,8 @@
           </a:fontRef>
         </p:style>
       </p:cxnSp>
-      <mc:AlternateContent xmlns:mc="http://schemas.openxmlformats.org/markup-compatibility/2006">
-        <mc:Choice xmlns:a14="http://schemas.microsoft.com/office/drawing/2010/main" Requires="a14">
+      <mc:AlternateContent xmlns:mc="http://schemas.openxmlformats.org/markup-compatibility/2006" xmlns:a14="http://schemas.microsoft.com/office/drawing/2010/main">
+        <mc:Choice Requires="a14">
           <p:sp>
             <p:nvSpPr>
               <p:cNvPr id="7" name="TextBox 6">
@@ -33131,7 +33159,7 @@
             </p:txBody>
           </p:sp>
         </mc:Choice>
-        <mc:Fallback>
+        <mc:Fallback xmlns="">
           <p:sp>
             <p:nvSpPr>
               <p:cNvPr id="7" name="TextBox 6">
@@ -33176,8 +33204,8 @@
           </p:sp>
         </mc:Fallback>
       </mc:AlternateContent>
-      <mc:AlternateContent xmlns:mc="http://schemas.openxmlformats.org/markup-compatibility/2006">
-        <mc:Choice xmlns:a14="http://schemas.microsoft.com/office/drawing/2010/main" Requires="a14">
+      <mc:AlternateContent xmlns:mc="http://schemas.openxmlformats.org/markup-compatibility/2006" xmlns:a14="http://schemas.microsoft.com/office/drawing/2010/main">
+        <mc:Choice Requires="a14">
           <p:sp>
             <p:nvSpPr>
               <p:cNvPr id="8" name="TextBox 7">
@@ -33245,7 +33273,7 @@
             </p:txBody>
           </p:sp>
         </mc:Choice>
-        <mc:Fallback>
+        <mc:Fallback xmlns="">
           <p:sp>
             <p:nvSpPr>
               <p:cNvPr id="8" name="TextBox 7">
@@ -33290,8 +33318,8 @@
           </p:sp>
         </mc:Fallback>
       </mc:AlternateContent>
-      <mc:AlternateContent xmlns:mc="http://schemas.openxmlformats.org/markup-compatibility/2006">
-        <mc:Choice xmlns:a14="http://schemas.microsoft.com/office/drawing/2010/main" Requires="a14">
+      <mc:AlternateContent xmlns:mc="http://schemas.openxmlformats.org/markup-compatibility/2006" xmlns:a14="http://schemas.microsoft.com/office/drawing/2010/main">
+        <mc:Choice Requires="a14">
           <p:sp>
             <p:nvSpPr>
               <p:cNvPr id="9" name="TextBox 8">
@@ -33476,7 +33504,7 @@
             </p:txBody>
           </p:sp>
         </mc:Choice>
-        <mc:Fallback>
+        <mc:Fallback xmlns="">
           <p:sp>
             <p:nvSpPr>
               <p:cNvPr id="9" name="TextBox 8">
@@ -33824,8 +33852,8 @@
           </a:fontRef>
         </p:style>
       </p:cxnSp>
-      <mc:AlternateContent xmlns:mc="http://schemas.openxmlformats.org/markup-compatibility/2006">
-        <mc:Choice xmlns:a14="http://schemas.microsoft.com/office/drawing/2010/main" Requires="a14">
+      <mc:AlternateContent xmlns:mc="http://schemas.openxmlformats.org/markup-compatibility/2006" xmlns:a14="http://schemas.microsoft.com/office/drawing/2010/main">
+        <mc:Choice Requires="a14">
           <p:sp>
             <p:nvSpPr>
               <p:cNvPr id="17" name="TextBox 16">
@@ -33854,6 +33882,7 @@
               </a:bodyPr>
               <a:lstStyle/>
               <a:p>
+                <a:pPr/>
                 <a14:m>
                   <m:oMathPara xmlns:m="http://schemas.openxmlformats.org/officeDocument/2006/math">
                     <m:oMathParaPr>
@@ -33877,7 +33906,7 @@
             </p:txBody>
           </p:sp>
         </mc:Choice>
-        <mc:Fallback>
+        <mc:Fallback xmlns="">
           <p:sp>
             <p:nvSpPr>
               <p:cNvPr id="17" name="TextBox 16">
@@ -33922,8 +33951,8 @@
           </p:sp>
         </mc:Fallback>
       </mc:AlternateContent>
-      <mc:AlternateContent xmlns:mc="http://schemas.openxmlformats.org/markup-compatibility/2006">
-        <mc:Choice xmlns:a14="http://schemas.microsoft.com/office/drawing/2010/main" Requires="a14">
+      <mc:AlternateContent xmlns:mc="http://schemas.openxmlformats.org/markup-compatibility/2006" xmlns:a14="http://schemas.microsoft.com/office/drawing/2010/main">
+        <mc:Choice Requires="a14">
           <p:sp>
             <p:nvSpPr>
               <p:cNvPr id="18" name="TextBox 17">
@@ -33952,6 +33981,7 @@
               </a:bodyPr>
               <a:lstStyle/>
               <a:p>
+                <a:pPr/>
                 <a14:m>
                   <m:oMathPara xmlns:m="http://schemas.openxmlformats.org/officeDocument/2006/math">
                     <m:oMathParaPr>
@@ -33979,7 +34009,7 @@
             </p:txBody>
           </p:sp>
         </mc:Choice>
-        <mc:Fallback>
+        <mc:Fallback xmlns="">
           <p:sp>
             <p:nvSpPr>
               <p:cNvPr id="18" name="TextBox 17">
@@ -34024,8 +34054,8 @@
           </p:sp>
         </mc:Fallback>
       </mc:AlternateContent>
-      <mc:AlternateContent xmlns:mc="http://schemas.openxmlformats.org/markup-compatibility/2006">
-        <mc:Choice xmlns:a14="http://schemas.microsoft.com/office/drawing/2010/main" Requires="a14">
+      <mc:AlternateContent xmlns:mc="http://schemas.openxmlformats.org/markup-compatibility/2006" xmlns:a14="http://schemas.microsoft.com/office/drawing/2010/main">
+        <mc:Choice Requires="a14">
           <p:sp>
             <p:nvSpPr>
               <p:cNvPr id="20" name="TextBox 19">
@@ -34054,6 +34084,7 @@
               </a:bodyPr>
               <a:lstStyle/>
               <a:p>
+                <a:pPr/>
                 <a14:m>
                   <m:oMathPara xmlns:m="http://schemas.openxmlformats.org/officeDocument/2006/math">
                     <m:oMathParaPr>
@@ -34106,7 +34137,7 @@
             </p:txBody>
           </p:sp>
         </mc:Choice>
-        <mc:Fallback>
+        <mc:Fallback xmlns="">
           <p:sp>
             <p:nvSpPr>
               <p:cNvPr id="20" name="TextBox 19">
@@ -34151,8 +34182,8 @@
           </p:sp>
         </mc:Fallback>
       </mc:AlternateContent>
-      <mc:AlternateContent xmlns:mc="http://schemas.openxmlformats.org/markup-compatibility/2006">
-        <mc:Choice xmlns:a14="http://schemas.microsoft.com/office/drawing/2010/main" Requires="a14">
+      <mc:AlternateContent xmlns:mc="http://schemas.openxmlformats.org/markup-compatibility/2006" xmlns:a14="http://schemas.microsoft.com/office/drawing/2010/main">
+        <mc:Choice Requires="a14">
           <p:sp>
             <p:nvSpPr>
               <p:cNvPr id="22" name="TextBox 21">
@@ -34181,6 +34212,7 @@
               </a:bodyPr>
               <a:lstStyle/>
               <a:p>
+                <a:pPr/>
                 <a14:m>
                   <m:oMathPara xmlns:m="http://schemas.openxmlformats.org/officeDocument/2006/math">
                     <m:oMathParaPr>
@@ -34208,7 +34240,7 @@
             </p:txBody>
           </p:sp>
         </mc:Choice>
-        <mc:Fallback>
+        <mc:Fallback xmlns="">
           <p:sp>
             <p:nvSpPr>
               <p:cNvPr id="22" name="TextBox 21">
@@ -34253,8 +34285,8 @@
           </p:sp>
         </mc:Fallback>
       </mc:AlternateContent>
-      <mc:AlternateContent xmlns:mc="http://schemas.openxmlformats.org/markup-compatibility/2006">
-        <mc:Choice xmlns:a14="http://schemas.microsoft.com/office/drawing/2010/main" Requires="a14">
+      <mc:AlternateContent xmlns:mc="http://schemas.openxmlformats.org/markup-compatibility/2006" xmlns:a14="http://schemas.microsoft.com/office/drawing/2010/main">
+        <mc:Choice Requires="a14">
           <p:sp>
             <p:nvSpPr>
               <p:cNvPr id="23" name="TextBox 22">
@@ -34283,6 +34315,7 @@
               </a:bodyPr>
               <a:lstStyle/>
               <a:p>
+                <a:pPr/>
                 <a14:m>
                   <m:oMathPara xmlns:m="http://schemas.openxmlformats.org/officeDocument/2006/math">
                     <m:oMathParaPr>
@@ -34306,7 +34339,7 @@
             </p:txBody>
           </p:sp>
         </mc:Choice>
-        <mc:Fallback>
+        <mc:Fallback xmlns="">
           <p:sp>
             <p:nvSpPr>
               <p:cNvPr id="23" name="TextBox 22">
@@ -34351,8 +34384,8 @@
           </p:sp>
         </mc:Fallback>
       </mc:AlternateContent>
-      <mc:AlternateContent xmlns:mc="http://schemas.openxmlformats.org/markup-compatibility/2006">
-        <mc:Choice xmlns:a14="http://schemas.microsoft.com/office/drawing/2010/main" Requires="a14">
+      <mc:AlternateContent xmlns:mc="http://schemas.openxmlformats.org/markup-compatibility/2006" xmlns:a14="http://schemas.microsoft.com/office/drawing/2010/main">
+        <mc:Choice Requires="a14">
           <p:sp>
             <p:nvSpPr>
               <p:cNvPr id="26" name="TextBox 25">
@@ -34381,6 +34414,7 @@
               </a:bodyPr>
               <a:lstStyle/>
               <a:p>
+                <a:pPr/>
                 <a14:m>
                   <m:oMathPara xmlns:m="http://schemas.openxmlformats.org/officeDocument/2006/math">
                     <m:oMathParaPr>
@@ -34433,7 +34467,7 @@
             </p:txBody>
           </p:sp>
         </mc:Choice>
-        <mc:Fallback>
+        <mc:Fallback xmlns="">
           <p:sp>
             <p:nvSpPr>
               <p:cNvPr id="26" name="TextBox 25">
@@ -34534,8 +34568,8 @@
           </a:p>
         </p:txBody>
       </p:sp>
-      <mc:AlternateContent xmlns:mc="http://schemas.openxmlformats.org/markup-compatibility/2006">
-        <mc:Choice xmlns:a14="http://schemas.microsoft.com/office/drawing/2010/main" Requires="a14">
+      <mc:AlternateContent xmlns:mc="http://schemas.openxmlformats.org/markup-compatibility/2006" xmlns:a14="http://schemas.microsoft.com/office/drawing/2010/main">
+        <mc:Choice Requires="a14">
           <p:sp>
             <p:nvSpPr>
               <p:cNvPr id="33" name="TextBox 32">
@@ -34564,6 +34598,7 @@
               </a:bodyPr>
               <a:lstStyle/>
               <a:p>
+                <a:pPr/>
                 <a14:m>
                   <m:oMathPara xmlns:m="http://schemas.openxmlformats.org/officeDocument/2006/math">
                     <m:oMathParaPr>
@@ -34622,7 +34657,7 @@
             </p:txBody>
           </p:sp>
         </mc:Choice>
-        <mc:Fallback>
+        <mc:Fallback xmlns="">
           <p:sp>
             <p:nvSpPr>
               <p:cNvPr id="33" name="TextBox 32">
@@ -34723,8 +34758,8 @@
           </a:p>
         </p:txBody>
       </p:sp>
-      <mc:AlternateContent xmlns:mc="http://schemas.openxmlformats.org/markup-compatibility/2006">
-        <mc:Choice xmlns:a14="http://schemas.microsoft.com/office/drawing/2010/main" Requires="a14">
+      <mc:AlternateContent xmlns:mc="http://schemas.openxmlformats.org/markup-compatibility/2006" xmlns:a14="http://schemas.microsoft.com/office/drawing/2010/main">
+        <mc:Choice Requires="a14">
           <p:sp>
             <p:nvSpPr>
               <p:cNvPr id="19" name="TextBox 18">
@@ -34753,6 +34788,7 @@
               </a:bodyPr>
               <a:lstStyle/>
               <a:p>
+                <a:pPr/>
                 <a14:m>
                   <m:oMathPara xmlns:m="http://schemas.openxmlformats.org/officeDocument/2006/math">
                     <m:oMathParaPr>
@@ -34784,7 +34820,7 @@
             </p:txBody>
           </p:sp>
         </mc:Choice>
-        <mc:Fallback>
+        <mc:Fallback xmlns="">
           <p:sp>
             <p:nvSpPr>
               <p:cNvPr id="19" name="TextBox 18">
@@ -34980,8 +35016,8 @@
           </a:fontRef>
         </p:style>
       </p:cxnSp>
-      <mc:AlternateContent xmlns:mc="http://schemas.openxmlformats.org/markup-compatibility/2006">
-        <mc:Choice xmlns:a14="http://schemas.microsoft.com/office/drawing/2010/main" Requires="a14">
+      <mc:AlternateContent xmlns:mc="http://schemas.openxmlformats.org/markup-compatibility/2006" xmlns:a14="http://schemas.microsoft.com/office/drawing/2010/main">
+        <mc:Choice Requires="a14">
           <p:sp>
             <p:nvSpPr>
               <p:cNvPr id="6" name="TextBox 5">
@@ -35034,7 +35070,7 @@
             </p:txBody>
           </p:sp>
         </mc:Choice>
-        <mc:Fallback>
+        <mc:Fallback xmlns="">
           <p:sp>
             <p:nvSpPr>
               <p:cNvPr id="6" name="TextBox 5">
@@ -35079,8 +35115,8 @@
           </p:sp>
         </mc:Fallback>
       </mc:AlternateContent>
-      <mc:AlternateContent xmlns:mc="http://schemas.openxmlformats.org/markup-compatibility/2006">
-        <mc:Choice xmlns:a14="http://schemas.microsoft.com/office/drawing/2010/main" Requires="a14">
+      <mc:AlternateContent xmlns:mc="http://schemas.openxmlformats.org/markup-compatibility/2006" xmlns:a14="http://schemas.microsoft.com/office/drawing/2010/main">
+        <mc:Choice Requires="a14">
           <p:sp>
             <p:nvSpPr>
               <p:cNvPr id="7" name="TextBox 6">
@@ -35222,7 +35258,7 @@
             </p:txBody>
           </p:sp>
         </mc:Choice>
-        <mc:Fallback>
+        <mc:Fallback xmlns="">
           <p:sp>
             <p:nvSpPr>
               <p:cNvPr id="7" name="TextBox 6">
@@ -35469,8 +35505,8 @@
           </a:fontRef>
         </p:style>
       </p:cxnSp>
-      <mc:AlternateContent xmlns:mc="http://schemas.openxmlformats.org/markup-compatibility/2006">
-        <mc:Choice xmlns:a14="http://schemas.microsoft.com/office/drawing/2010/main" Requires="a14">
+      <mc:AlternateContent xmlns:mc="http://schemas.openxmlformats.org/markup-compatibility/2006" xmlns:a14="http://schemas.microsoft.com/office/drawing/2010/main">
+        <mc:Choice Requires="a14">
           <p:sp>
             <p:nvSpPr>
               <p:cNvPr id="14" name="TextBox 13">
@@ -35499,6 +35535,7 @@
               </a:bodyPr>
               <a:lstStyle/>
               <a:p>
+                <a:pPr/>
                 <a14:m>
                   <m:oMathPara xmlns:m="http://schemas.openxmlformats.org/officeDocument/2006/math">
                     <m:oMathParaPr>
@@ -35531,7 +35568,7 @@
             </p:txBody>
           </p:sp>
         </mc:Choice>
-        <mc:Fallback>
+        <mc:Fallback xmlns="">
           <p:sp>
             <p:nvSpPr>
               <p:cNvPr id="14" name="TextBox 13">
@@ -35576,8 +35613,8 @@
           </p:sp>
         </mc:Fallback>
       </mc:AlternateContent>
-      <mc:AlternateContent xmlns:mc="http://schemas.openxmlformats.org/markup-compatibility/2006">
-        <mc:Choice xmlns:a14="http://schemas.microsoft.com/office/drawing/2010/main" Requires="a14">
+      <mc:AlternateContent xmlns:mc="http://schemas.openxmlformats.org/markup-compatibility/2006" xmlns:a14="http://schemas.microsoft.com/office/drawing/2010/main">
+        <mc:Choice Requires="a14">
           <p:sp>
             <p:nvSpPr>
               <p:cNvPr id="15" name="TextBox 14">
@@ -35606,6 +35643,7 @@
               </a:bodyPr>
               <a:lstStyle/>
               <a:p>
+                <a:pPr/>
                 <a14:m>
                   <m:oMathPara xmlns:m="http://schemas.openxmlformats.org/officeDocument/2006/math">
                     <m:oMathParaPr>
@@ -35633,7 +35671,7 @@
             </p:txBody>
           </p:sp>
         </mc:Choice>
-        <mc:Fallback>
+        <mc:Fallback xmlns="">
           <p:sp>
             <p:nvSpPr>
               <p:cNvPr id="15" name="TextBox 14">
@@ -35678,8 +35716,8 @@
           </p:sp>
         </mc:Fallback>
       </mc:AlternateContent>
-      <mc:AlternateContent xmlns:mc="http://schemas.openxmlformats.org/markup-compatibility/2006">
-        <mc:Choice xmlns:a14="http://schemas.microsoft.com/office/drawing/2010/main" Requires="a14">
+      <mc:AlternateContent xmlns:mc="http://schemas.openxmlformats.org/markup-compatibility/2006" xmlns:a14="http://schemas.microsoft.com/office/drawing/2010/main">
+        <mc:Choice Requires="a14">
           <p:sp>
             <p:nvSpPr>
               <p:cNvPr id="16" name="TextBox 15">
@@ -35708,6 +35746,7 @@
               </a:bodyPr>
               <a:lstStyle/>
               <a:p>
+                <a:pPr/>
                 <a14:m>
                   <m:oMathPara xmlns:m="http://schemas.openxmlformats.org/officeDocument/2006/math">
                     <m:oMathParaPr>
@@ -35760,7 +35799,7 @@
             </p:txBody>
           </p:sp>
         </mc:Choice>
-        <mc:Fallback>
+        <mc:Fallback xmlns="">
           <p:sp>
             <p:nvSpPr>
               <p:cNvPr id="16" name="TextBox 15">
@@ -35805,8 +35844,8 @@
           </p:sp>
         </mc:Fallback>
       </mc:AlternateContent>
-      <mc:AlternateContent xmlns:mc="http://schemas.openxmlformats.org/markup-compatibility/2006">
-        <mc:Choice xmlns:a14="http://schemas.microsoft.com/office/drawing/2010/main" Requires="a14">
+      <mc:AlternateContent xmlns:mc="http://schemas.openxmlformats.org/markup-compatibility/2006" xmlns:a14="http://schemas.microsoft.com/office/drawing/2010/main">
+        <mc:Choice Requires="a14">
           <p:sp>
             <p:nvSpPr>
               <p:cNvPr id="17" name="TextBox 16">
@@ -35835,6 +35874,7 @@
               </a:bodyPr>
               <a:lstStyle/>
               <a:p>
+                <a:pPr/>
                 <a14:m>
                   <m:oMathPara xmlns:m="http://schemas.openxmlformats.org/officeDocument/2006/math">
                     <m:oMathParaPr>
@@ -35862,7 +35902,7 @@
             </p:txBody>
           </p:sp>
         </mc:Choice>
-        <mc:Fallback>
+        <mc:Fallback xmlns="">
           <p:sp>
             <p:nvSpPr>
               <p:cNvPr id="17" name="TextBox 16">
@@ -35963,8 +36003,8 @@
           </a:p>
         </p:txBody>
       </p:sp>
-      <mc:AlternateContent xmlns:mc="http://schemas.openxmlformats.org/markup-compatibility/2006">
-        <mc:Choice xmlns:a14="http://schemas.microsoft.com/office/drawing/2010/main" Requires="a14">
+      <mc:AlternateContent xmlns:mc="http://schemas.openxmlformats.org/markup-compatibility/2006" xmlns:a14="http://schemas.microsoft.com/office/drawing/2010/main">
+        <mc:Choice Requires="a14">
           <p:sp>
             <p:nvSpPr>
               <p:cNvPr id="21" name="TextBox 20">
@@ -35993,6 +36033,7 @@
               </a:bodyPr>
               <a:lstStyle/>
               <a:p>
+                <a:pPr/>
                 <a14:m>
                   <m:oMathPara xmlns:m="http://schemas.openxmlformats.org/officeDocument/2006/math">
                     <m:oMathParaPr>
@@ -36051,7 +36092,7 @@
             </p:txBody>
           </p:sp>
         </mc:Choice>
-        <mc:Fallback>
+        <mc:Fallback xmlns="">
           <p:sp>
             <p:nvSpPr>
               <p:cNvPr id="21" name="TextBox 20">
@@ -36152,8 +36193,8 @@
           </a:p>
         </p:txBody>
       </p:sp>
-      <mc:AlternateContent xmlns:mc="http://schemas.openxmlformats.org/markup-compatibility/2006">
-        <mc:Choice xmlns:a14="http://schemas.microsoft.com/office/drawing/2010/main" Requires="a14">
+      <mc:AlternateContent xmlns:mc="http://schemas.openxmlformats.org/markup-compatibility/2006" xmlns:a14="http://schemas.microsoft.com/office/drawing/2010/main">
+        <mc:Choice Requires="a14">
           <p:sp>
             <p:nvSpPr>
               <p:cNvPr id="23" name="TextBox 22">
@@ -36182,6 +36223,7 @@
               </a:bodyPr>
               <a:lstStyle/>
               <a:p>
+                <a:pPr/>
                 <a14:m>
                   <m:oMathPara xmlns:m="http://schemas.openxmlformats.org/officeDocument/2006/math">
                     <m:oMathParaPr>
@@ -36213,7 +36255,7 @@
             </p:txBody>
           </p:sp>
         </mc:Choice>
-        <mc:Fallback>
+        <mc:Fallback xmlns="">
           <p:sp>
             <p:nvSpPr>
               <p:cNvPr id="23" name="TextBox 22">
@@ -36316,8 +36358,8 @@
           </a:p>
         </p:txBody>
       </p:sp>
-      <mc:AlternateContent xmlns:mc="http://schemas.openxmlformats.org/markup-compatibility/2006">
-        <mc:Choice xmlns:a14="http://schemas.microsoft.com/office/drawing/2010/main" Requires="a14">
+      <mc:AlternateContent xmlns:mc="http://schemas.openxmlformats.org/markup-compatibility/2006" xmlns:a14="http://schemas.microsoft.com/office/drawing/2010/main">
+        <mc:Choice Requires="a14">
           <p:sp>
             <p:nvSpPr>
               <p:cNvPr id="3" name="Content Placeholder 2">
@@ -37094,7 +37136,7 @@
             </p:txBody>
           </p:sp>
         </mc:Choice>
-        <mc:Fallback>
+        <mc:Fallback xmlns="">
           <p:sp>
             <p:nvSpPr>
               <p:cNvPr id="3" name="Content Placeholder 2">
@@ -37339,8 +37381,8 @@
           </a:fontRef>
         </p:style>
       </p:cxnSp>
-      <mc:AlternateContent xmlns:mc="http://schemas.openxmlformats.org/markup-compatibility/2006">
-        <mc:Choice xmlns:a14="http://schemas.microsoft.com/office/drawing/2010/main" Requires="a14">
+      <mc:AlternateContent xmlns:mc="http://schemas.openxmlformats.org/markup-compatibility/2006" xmlns:a14="http://schemas.microsoft.com/office/drawing/2010/main">
+        <mc:Choice Requires="a14">
           <p:sp>
             <p:nvSpPr>
               <p:cNvPr id="7" name="TextBox 6">
@@ -37652,7 +37694,7 @@
             </p:txBody>
           </p:sp>
         </mc:Choice>
-        <mc:Fallback>
+        <mc:Fallback xmlns="">
           <p:sp>
             <p:nvSpPr>
               <p:cNvPr id="7" name="TextBox 6">
@@ -38000,8 +38042,8 @@
           </a:fontRef>
         </p:style>
       </p:cxnSp>
-      <mc:AlternateContent xmlns:mc="http://schemas.openxmlformats.org/markup-compatibility/2006">
-        <mc:Choice xmlns:a14="http://schemas.microsoft.com/office/drawing/2010/main" Requires="a14">
+      <mc:AlternateContent xmlns:mc="http://schemas.openxmlformats.org/markup-compatibility/2006" xmlns:a14="http://schemas.microsoft.com/office/drawing/2010/main">
+        <mc:Choice Requires="a14">
           <p:sp>
             <p:nvSpPr>
               <p:cNvPr id="14" name="TextBox 13">
@@ -38030,6 +38072,7 @@
               </a:bodyPr>
               <a:lstStyle/>
               <a:p>
+                <a:pPr/>
                 <a14:m>
                   <m:oMathPara xmlns:m="http://schemas.openxmlformats.org/officeDocument/2006/math">
                     <m:oMathParaPr>
@@ -38053,7 +38096,7 @@
             </p:txBody>
           </p:sp>
         </mc:Choice>
-        <mc:Fallback>
+        <mc:Fallback xmlns="">
           <p:sp>
             <p:nvSpPr>
               <p:cNvPr id="14" name="TextBox 13">
@@ -38098,8 +38141,8 @@
           </p:sp>
         </mc:Fallback>
       </mc:AlternateContent>
-      <mc:AlternateContent xmlns:mc="http://schemas.openxmlformats.org/markup-compatibility/2006">
-        <mc:Choice xmlns:a14="http://schemas.microsoft.com/office/drawing/2010/main" Requires="a14">
+      <mc:AlternateContent xmlns:mc="http://schemas.openxmlformats.org/markup-compatibility/2006" xmlns:a14="http://schemas.microsoft.com/office/drawing/2010/main">
+        <mc:Choice Requires="a14">
           <p:sp>
             <p:nvSpPr>
               <p:cNvPr id="15" name="TextBox 14">
@@ -38128,6 +38171,7 @@
               </a:bodyPr>
               <a:lstStyle/>
               <a:p>
+                <a:pPr/>
                 <a14:m>
                   <m:oMathPara xmlns:m="http://schemas.openxmlformats.org/officeDocument/2006/math">
                     <m:oMathParaPr>
@@ -38155,7 +38199,7 @@
             </p:txBody>
           </p:sp>
         </mc:Choice>
-        <mc:Fallback>
+        <mc:Fallback xmlns="">
           <p:sp>
             <p:nvSpPr>
               <p:cNvPr id="15" name="TextBox 14">
@@ -38200,8 +38244,8 @@
           </p:sp>
         </mc:Fallback>
       </mc:AlternateContent>
-      <mc:AlternateContent xmlns:mc="http://schemas.openxmlformats.org/markup-compatibility/2006">
-        <mc:Choice xmlns:a14="http://schemas.microsoft.com/office/drawing/2010/main" Requires="a14">
+      <mc:AlternateContent xmlns:mc="http://schemas.openxmlformats.org/markup-compatibility/2006" xmlns:a14="http://schemas.microsoft.com/office/drawing/2010/main">
+        <mc:Choice Requires="a14">
           <p:sp>
             <p:nvSpPr>
               <p:cNvPr id="16" name="TextBox 15">
@@ -38230,6 +38274,7 @@
               </a:bodyPr>
               <a:lstStyle/>
               <a:p>
+                <a:pPr/>
                 <a14:m>
                   <m:oMathPara xmlns:m="http://schemas.openxmlformats.org/officeDocument/2006/math">
                     <m:oMathParaPr>
@@ -38282,7 +38327,7 @@
             </p:txBody>
           </p:sp>
         </mc:Choice>
-        <mc:Fallback>
+        <mc:Fallback xmlns="">
           <p:sp>
             <p:nvSpPr>
               <p:cNvPr id="16" name="TextBox 15">
@@ -38327,8 +38372,8 @@
           </p:sp>
         </mc:Fallback>
       </mc:AlternateContent>
-      <mc:AlternateContent xmlns:mc="http://schemas.openxmlformats.org/markup-compatibility/2006">
-        <mc:Choice xmlns:a14="http://schemas.microsoft.com/office/drawing/2010/main" Requires="a14">
+      <mc:AlternateContent xmlns:mc="http://schemas.openxmlformats.org/markup-compatibility/2006" xmlns:a14="http://schemas.microsoft.com/office/drawing/2010/main">
+        <mc:Choice Requires="a14">
           <p:sp>
             <p:nvSpPr>
               <p:cNvPr id="17" name="TextBox 16">
@@ -38357,6 +38402,7 @@
               </a:bodyPr>
               <a:lstStyle/>
               <a:p>
+                <a:pPr/>
                 <a14:m>
                   <m:oMathPara xmlns:m="http://schemas.openxmlformats.org/officeDocument/2006/math">
                     <m:oMathParaPr>
@@ -38384,7 +38430,7 @@
             </p:txBody>
           </p:sp>
         </mc:Choice>
-        <mc:Fallback>
+        <mc:Fallback xmlns="">
           <p:sp>
             <p:nvSpPr>
               <p:cNvPr id="17" name="TextBox 16">
@@ -38429,8 +38475,8 @@
           </p:sp>
         </mc:Fallback>
       </mc:AlternateContent>
-      <mc:AlternateContent xmlns:mc="http://schemas.openxmlformats.org/markup-compatibility/2006">
-        <mc:Choice xmlns:a14="http://schemas.microsoft.com/office/drawing/2010/main" Requires="a14">
+      <mc:AlternateContent xmlns:mc="http://schemas.openxmlformats.org/markup-compatibility/2006" xmlns:a14="http://schemas.microsoft.com/office/drawing/2010/main">
+        <mc:Choice Requires="a14">
           <p:sp>
             <p:nvSpPr>
               <p:cNvPr id="18" name="TextBox 17">
@@ -38459,6 +38505,7 @@
               </a:bodyPr>
               <a:lstStyle/>
               <a:p>
+                <a:pPr/>
                 <a14:m>
                   <m:oMathPara xmlns:m="http://schemas.openxmlformats.org/officeDocument/2006/math">
                     <m:oMathParaPr>
@@ -38482,7 +38529,7 @@
             </p:txBody>
           </p:sp>
         </mc:Choice>
-        <mc:Fallback>
+        <mc:Fallback xmlns="">
           <p:sp>
             <p:nvSpPr>
               <p:cNvPr id="18" name="TextBox 17">
@@ -38527,8 +38574,8 @@
           </p:sp>
         </mc:Fallback>
       </mc:AlternateContent>
-      <mc:AlternateContent xmlns:mc="http://schemas.openxmlformats.org/markup-compatibility/2006">
-        <mc:Choice xmlns:a14="http://schemas.microsoft.com/office/drawing/2010/main" Requires="a14">
+      <mc:AlternateContent xmlns:mc="http://schemas.openxmlformats.org/markup-compatibility/2006" xmlns:a14="http://schemas.microsoft.com/office/drawing/2010/main">
+        <mc:Choice Requires="a14">
           <p:sp>
             <p:nvSpPr>
               <p:cNvPr id="19" name="TextBox 18">
@@ -38557,6 +38604,7 @@
               </a:bodyPr>
               <a:lstStyle/>
               <a:p>
+                <a:pPr/>
                 <a14:m>
                   <m:oMathPara xmlns:m="http://schemas.openxmlformats.org/officeDocument/2006/math">
                     <m:oMathParaPr>
@@ -38609,7 +38657,7 @@
             </p:txBody>
           </p:sp>
         </mc:Choice>
-        <mc:Fallback>
+        <mc:Fallback xmlns="">
           <p:sp>
             <p:nvSpPr>
               <p:cNvPr id="19" name="TextBox 18">
@@ -38730,8 +38778,8 @@
             </a:p>
           </p:txBody>
         </p:sp>
-        <mc:AlternateContent xmlns:mc="http://schemas.openxmlformats.org/markup-compatibility/2006">
-          <mc:Choice xmlns:a14="http://schemas.microsoft.com/office/drawing/2010/main" Requires="a14">
+        <mc:AlternateContent xmlns:mc="http://schemas.openxmlformats.org/markup-compatibility/2006" xmlns:a14="http://schemas.microsoft.com/office/drawing/2010/main">
+          <mc:Choice Requires="a14">
             <p:sp>
               <p:nvSpPr>
                 <p:cNvPr id="23" name="TextBox 22">
@@ -38760,6 +38808,7 @@
                 </a:bodyPr>
                 <a:lstStyle/>
                 <a:p>
+                  <a:pPr/>
                   <a14:m>
                     <m:oMathPara xmlns:m="http://schemas.openxmlformats.org/officeDocument/2006/math">
                       <m:oMathParaPr>
@@ -38791,7 +38840,7 @@
               </p:txBody>
             </p:sp>
           </mc:Choice>
-          <mc:Fallback>
+          <mc:Fallback xmlns="">
             <p:sp>
               <p:nvSpPr>
                 <p:cNvPr id="23" name="TextBox 22">
@@ -38881,8 +38930,8 @@
             </a:fontRef>
           </p:style>
         </p:cxnSp>
-        <mc:AlternateContent xmlns:mc="http://schemas.openxmlformats.org/markup-compatibility/2006">
-          <mc:Choice xmlns:a14="http://schemas.microsoft.com/office/drawing/2010/main" Requires="a14">
+        <mc:AlternateContent xmlns:mc="http://schemas.openxmlformats.org/markup-compatibility/2006" xmlns:a14="http://schemas.microsoft.com/office/drawing/2010/main">
+          <mc:Choice Requires="a14">
             <p:sp>
               <p:nvSpPr>
                 <p:cNvPr id="21" name="TextBox 20">
@@ -38911,6 +38960,7 @@
                 </a:bodyPr>
                 <a:lstStyle/>
                 <a:p>
+                  <a:pPr/>
                   <a14:m>
                     <m:oMathPara xmlns:m="http://schemas.openxmlformats.org/officeDocument/2006/math">
                       <m:oMathParaPr>
@@ -38939,7 +38989,7 @@
               </p:txBody>
             </p:sp>
           </mc:Choice>
-          <mc:Fallback>
+          <mc:Fallback xmlns="">
             <p:sp>
               <p:nvSpPr>
                 <p:cNvPr id="21" name="TextBox 20">
@@ -39061,8 +39111,8 @@
             </a:p>
           </p:txBody>
         </p:sp>
-        <mc:AlternateContent xmlns:mc="http://schemas.openxmlformats.org/markup-compatibility/2006">
-          <mc:Choice xmlns:a14="http://schemas.microsoft.com/office/drawing/2010/main" Requires="a14">
+        <mc:AlternateContent xmlns:mc="http://schemas.openxmlformats.org/markup-compatibility/2006" xmlns:a14="http://schemas.microsoft.com/office/drawing/2010/main">
+          <mc:Choice Requires="a14">
             <p:sp>
               <p:nvSpPr>
                 <p:cNvPr id="34" name="TextBox 33">
@@ -39091,6 +39141,7 @@
                 </a:bodyPr>
                 <a:lstStyle/>
                 <a:p>
+                  <a:pPr/>
                   <a14:m>
                     <m:oMathPara xmlns:m="http://schemas.openxmlformats.org/officeDocument/2006/math">
                       <m:oMathParaPr>
@@ -39122,7 +39173,7 @@
               </p:txBody>
             </p:sp>
           </mc:Choice>
-          <mc:Fallback>
+          <mc:Fallback xmlns="">
             <p:sp>
               <p:nvSpPr>
                 <p:cNvPr id="34" name="TextBox 33">
@@ -39212,8 +39263,8 @@
             </a:fontRef>
           </p:style>
         </p:cxnSp>
-        <mc:AlternateContent xmlns:mc="http://schemas.openxmlformats.org/markup-compatibility/2006">
-          <mc:Choice xmlns:a14="http://schemas.microsoft.com/office/drawing/2010/main" Requires="a14">
+        <mc:AlternateContent xmlns:mc="http://schemas.openxmlformats.org/markup-compatibility/2006" xmlns:a14="http://schemas.microsoft.com/office/drawing/2010/main">
+          <mc:Choice Requires="a14">
             <p:sp>
               <p:nvSpPr>
                 <p:cNvPr id="36" name="TextBox 35">
@@ -39242,6 +39293,7 @@
                 </a:bodyPr>
                 <a:lstStyle/>
                 <a:p>
+                  <a:pPr/>
                   <a14:m>
                     <m:oMathPara xmlns:m="http://schemas.openxmlformats.org/officeDocument/2006/math">
                       <m:oMathParaPr>
@@ -39270,7 +39322,7 @@
               </p:txBody>
             </p:sp>
           </mc:Choice>
-          <mc:Fallback>
+          <mc:Fallback xmlns="">
             <p:sp>
               <p:nvSpPr>
                 <p:cNvPr id="36" name="TextBox 35">
@@ -39406,8 +39458,8 @@
           </a:fontRef>
         </p:style>
       </p:cxnSp>
-      <mc:AlternateContent xmlns:mc="http://schemas.openxmlformats.org/markup-compatibility/2006">
-        <mc:Choice xmlns:a14="http://schemas.microsoft.com/office/drawing/2010/main" Requires="a14">
+      <mc:AlternateContent xmlns:mc="http://schemas.openxmlformats.org/markup-compatibility/2006" xmlns:a14="http://schemas.microsoft.com/office/drawing/2010/main">
+        <mc:Choice Requires="a14">
           <p:sp>
             <p:nvSpPr>
               <p:cNvPr id="46" name="TextBox 45">
@@ -39436,6 +39488,7 @@
               </a:bodyPr>
               <a:lstStyle/>
               <a:p>
+                <a:pPr/>
                 <a14:m>
                   <m:oMathPara xmlns:m="http://schemas.openxmlformats.org/officeDocument/2006/math">
                     <m:oMathParaPr>
@@ -39459,7 +39512,7 @@
             </p:txBody>
           </p:sp>
         </mc:Choice>
-        <mc:Fallback>
+        <mc:Fallback xmlns="">
           <p:sp>
             <p:nvSpPr>
               <p:cNvPr id="46" name="TextBox 45">
@@ -39504,8 +39557,8 @@
           </p:sp>
         </mc:Fallback>
       </mc:AlternateContent>
-      <mc:AlternateContent xmlns:mc="http://schemas.openxmlformats.org/markup-compatibility/2006">
-        <mc:Choice xmlns:a14="http://schemas.microsoft.com/office/drawing/2010/main" Requires="a14">
+      <mc:AlternateContent xmlns:mc="http://schemas.openxmlformats.org/markup-compatibility/2006" xmlns:a14="http://schemas.microsoft.com/office/drawing/2010/main">
+        <mc:Choice Requires="a14">
           <p:sp>
             <p:nvSpPr>
               <p:cNvPr id="47" name="TextBox 46">
@@ -39534,6 +39587,7 @@
               </a:bodyPr>
               <a:lstStyle/>
               <a:p>
+                <a:pPr/>
                 <a14:m>
                   <m:oMathPara xmlns:m="http://schemas.openxmlformats.org/officeDocument/2006/math">
                     <m:oMathParaPr>
@@ -39557,7 +39611,7 @@
             </p:txBody>
           </p:sp>
         </mc:Choice>
-        <mc:Fallback>
+        <mc:Fallback xmlns="">
           <p:sp>
             <p:nvSpPr>
               <p:cNvPr id="47" name="TextBox 46">
@@ -39678,8 +39732,8 @@
             </a:p>
           </p:txBody>
         </p:sp>
-        <mc:AlternateContent xmlns:mc="http://schemas.openxmlformats.org/markup-compatibility/2006">
-          <mc:Choice xmlns:a14="http://schemas.microsoft.com/office/drawing/2010/main" Requires="a14">
+        <mc:AlternateContent xmlns:mc="http://schemas.openxmlformats.org/markup-compatibility/2006" xmlns:a14="http://schemas.microsoft.com/office/drawing/2010/main">
+          <mc:Choice Requires="a14">
             <p:sp>
               <p:nvSpPr>
                 <p:cNvPr id="51" name="TextBox 50">
@@ -39708,6 +39762,7 @@
                 </a:bodyPr>
                 <a:lstStyle/>
                 <a:p>
+                  <a:pPr/>
                   <a14:m>
                     <m:oMathPara xmlns:m="http://schemas.openxmlformats.org/officeDocument/2006/math">
                       <m:oMathParaPr>
@@ -39739,7 +39794,7 @@
               </p:txBody>
             </p:sp>
           </mc:Choice>
-          <mc:Fallback>
+          <mc:Fallback xmlns="">
             <p:sp>
               <p:nvSpPr>
                 <p:cNvPr id="51" name="TextBox 50">
@@ -39829,8 +39884,8 @@
             </a:fontRef>
           </p:style>
         </p:cxnSp>
-        <mc:AlternateContent xmlns:mc="http://schemas.openxmlformats.org/markup-compatibility/2006">
-          <mc:Choice xmlns:a14="http://schemas.microsoft.com/office/drawing/2010/main" Requires="a14">
+        <mc:AlternateContent xmlns:mc="http://schemas.openxmlformats.org/markup-compatibility/2006" xmlns:a14="http://schemas.microsoft.com/office/drawing/2010/main">
+          <mc:Choice Requires="a14">
             <p:sp>
               <p:nvSpPr>
                 <p:cNvPr id="53" name="TextBox 52">
@@ -39859,6 +39914,7 @@
                 </a:bodyPr>
                 <a:lstStyle/>
                 <a:p>
+                  <a:pPr/>
                   <a14:m>
                     <m:oMathPara xmlns:m="http://schemas.openxmlformats.org/officeDocument/2006/math">
                       <m:oMathParaPr>
@@ -39887,7 +39943,7 @@
               </p:txBody>
             </p:sp>
           </mc:Choice>
-          <mc:Fallback>
+          <mc:Fallback xmlns="">
             <p:sp>
               <p:nvSpPr>
                 <p:cNvPr id="53" name="TextBox 52">
@@ -40124,8 +40180,8 @@
           </a:fontRef>
         </p:style>
       </p:cxnSp>
-      <mc:AlternateContent xmlns:mc="http://schemas.openxmlformats.org/markup-compatibility/2006">
-        <mc:Choice xmlns:a14="http://schemas.microsoft.com/office/drawing/2010/main" Requires="a14">
+      <mc:AlternateContent xmlns:mc="http://schemas.openxmlformats.org/markup-compatibility/2006" xmlns:a14="http://schemas.microsoft.com/office/drawing/2010/main">
+        <mc:Choice Requires="a14">
           <p:sp>
             <p:nvSpPr>
               <p:cNvPr id="67" name="TextBox 66">
@@ -40154,6 +40210,7 @@
               </a:bodyPr>
               <a:lstStyle/>
               <a:p>
+                <a:pPr/>
                 <a14:m>
                   <m:oMathPara xmlns:m="http://schemas.openxmlformats.org/officeDocument/2006/math">
                     <m:oMathParaPr>
@@ -40181,7 +40238,7 @@
             </p:txBody>
           </p:sp>
         </mc:Choice>
-        <mc:Fallback>
+        <mc:Fallback xmlns="">
           <p:sp>
             <p:nvSpPr>
               <p:cNvPr id="67" name="TextBox 66">
@@ -40226,8 +40283,8 @@
           </p:sp>
         </mc:Fallback>
       </mc:AlternateContent>
-      <mc:AlternateContent xmlns:mc="http://schemas.openxmlformats.org/markup-compatibility/2006">
-        <mc:Choice xmlns:a14="http://schemas.microsoft.com/office/drawing/2010/main" Requires="a14">
+      <mc:AlternateContent xmlns:mc="http://schemas.openxmlformats.org/markup-compatibility/2006" xmlns:a14="http://schemas.microsoft.com/office/drawing/2010/main">
+        <mc:Choice Requires="a14">
           <p:sp>
             <p:nvSpPr>
               <p:cNvPr id="68" name="TextBox 67">
@@ -40256,6 +40313,7 @@
               </a:bodyPr>
               <a:lstStyle/>
               <a:p>
+                <a:pPr/>
                 <a14:m>
                   <m:oMathPara xmlns:m="http://schemas.openxmlformats.org/officeDocument/2006/math">
                     <m:oMathParaPr>
@@ -40283,7 +40341,7 @@
             </p:txBody>
           </p:sp>
         </mc:Choice>
-        <mc:Fallback>
+        <mc:Fallback xmlns="">
           <p:sp>
             <p:nvSpPr>
               <p:cNvPr id="68" name="TextBox 67">
@@ -40328,8 +40386,8 @@
           </p:sp>
         </mc:Fallback>
       </mc:AlternateContent>
-      <mc:AlternateContent xmlns:mc="http://schemas.openxmlformats.org/markup-compatibility/2006">
-        <mc:Choice xmlns:a14="http://schemas.microsoft.com/office/drawing/2010/main" Requires="a14">
+      <mc:AlternateContent xmlns:mc="http://schemas.openxmlformats.org/markup-compatibility/2006" xmlns:a14="http://schemas.microsoft.com/office/drawing/2010/main">
+        <mc:Choice Requires="a14">
           <p:sp>
             <p:nvSpPr>
               <p:cNvPr id="71" name="TextBox 70">
@@ -40358,6 +40416,7 @@
               </a:bodyPr>
               <a:lstStyle/>
               <a:p>
+                <a:pPr/>
                 <a14:m>
                   <m:oMathPara xmlns:m="http://schemas.openxmlformats.org/officeDocument/2006/math">
                     <m:oMathParaPr>
@@ -40381,7 +40440,7 @@
             </p:txBody>
           </p:sp>
         </mc:Choice>
-        <mc:Fallback>
+        <mc:Fallback xmlns="">
           <p:sp>
             <p:nvSpPr>
               <p:cNvPr id="71" name="TextBox 70">
@@ -40426,8 +40485,8 @@
           </p:sp>
         </mc:Fallback>
       </mc:AlternateContent>
-      <mc:AlternateContent xmlns:mc="http://schemas.openxmlformats.org/markup-compatibility/2006">
-        <mc:Choice xmlns:a14="http://schemas.microsoft.com/office/drawing/2010/main" Requires="a14">
+      <mc:AlternateContent xmlns:mc="http://schemas.openxmlformats.org/markup-compatibility/2006" xmlns:a14="http://schemas.microsoft.com/office/drawing/2010/main">
+        <mc:Choice Requires="a14">
           <p:sp>
             <p:nvSpPr>
               <p:cNvPr id="72" name="TextBox 71">
@@ -40456,6 +40515,7 @@
               </a:bodyPr>
               <a:lstStyle/>
               <a:p>
+                <a:pPr/>
                 <a14:m>
                   <m:oMathPara xmlns:m="http://schemas.openxmlformats.org/officeDocument/2006/math">
                     <m:oMathParaPr>
@@ -40479,7 +40539,7 @@
             </p:txBody>
           </p:sp>
         </mc:Choice>
-        <mc:Fallback>
+        <mc:Fallback xmlns="">
           <p:sp>
             <p:nvSpPr>
               <p:cNvPr id="72" name="TextBox 71">
@@ -40580,8 +40640,8 @@
           </a:p>
         </p:txBody>
       </p:sp>
-      <mc:AlternateContent xmlns:mc="http://schemas.openxmlformats.org/markup-compatibility/2006">
-        <mc:Choice xmlns:a14="http://schemas.microsoft.com/office/drawing/2010/main" Requires="a14">
+      <mc:AlternateContent xmlns:mc="http://schemas.openxmlformats.org/markup-compatibility/2006" xmlns:a14="http://schemas.microsoft.com/office/drawing/2010/main">
+        <mc:Choice Requires="a14">
           <p:sp>
             <p:nvSpPr>
               <p:cNvPr id="75" name="TextBox 74">
@@ -40610,6 +40670,7 @@
               </a:bodyPr>
               <a:lstStyle/>
               <a:p>
+                <a:pPr/>
                 <a14:m>
                   <m:oMathPara xmlns:m="http://schemas.openxmlformats.org/officeDocument/2006/math">
                     <m:oMathParaPr>
@@ -40637,7 +40698,7 @@
             </p:txBody>
           </p:sp>
         </mc:Choice>
-        <mc:Fallback>
+        <mc:Fallback xmlns="">
           <p:sp>
             <p:nvSpPr>
               <p:cNvPr id="75" name="TextBox 74">
@@ -40727,8 +40788,8 @@
           </a:fontRef>
         </p:style>
       </p:cxnSp>
-      <mc:AlternateContent xmlns:mc="http://schemas.openxmlformats.org/markup-compatibility/2006">
-        <mc:Choice xmlns:a14="http://schemas.microsoft.com/office/drawing/2010/main" Requires="a14">
+      <mc:AlternateContent xmlns:mc="http://schemas.openxmlformats.org/markup-compatibility/2006" xmlns:a14="http://schemas.microsoft.com/office/drawing/2010/main">
+        <mc:Choice Requires="a14">
           <p:sp>
             <p:nvSpPr>
               <p:cNvPr id="80" name="TextBox 79">
@@ -40757,6 +40818,7 @@
               </a:bodyPr>
               <a:lstStyle/>
               <a:p>
+                <a:pPr/>
                 <a14:m>
                   <m:oMathPara xmlns:m="http://schemas.openxmlformats.org/officeDocument/2006/math">
                     <m:oMathParaPr>
@@ -40784,7 +40846,7 @@
             </p:txBody>
           </p:sp>
         </mc:Choice>
-        <mc:Fallback>
+        <mc:Fallback xmlns="">
           <p:sp>
             <p:nvSpPr>
               <p:cNvPr id="80" name="TextBox 79">
@@ -40887,8 +40949,8 @@
           </a:p>
         </p:txBody>
       </p:sp>
-      <mc:AlternateContent xmlns:mc="http://schemas.openxmlformats.org/markup-compatibility/2006">
-        <mc:Choice xmlns:a14="http://schemas.microsoft.com/office/drawing/2010/main" Requires="a14">
+      <mc:AlternateContent xmlns:mc="http://schemas.openxmlformats.org/markup-compatibility/2006" xmlns:a14="http://schemas.microsoft.com/office/drawing/2010/main">
+        <mc:Choice Requires="a14">
           <p:sp>
             <p:nvSpPr>
               <p:cNvPr id="3" name="Content Placeholder 2">
@@ -41662,7 +41724,7 @@
             </p:txBody>
           </p:sp>
         </mc:Choice>
-        <mc:Fallback>
+        <mc:Fallback xmlns="">
           <p:sp>
             <p:nvSpPr>
               <p:cNvPr id="3" name="Content Placeholder 2">
@@ -41865,8 +41927,8 @@
           </a:p>
         </p:txBody>
       </p:sp>
-      <mc:AlternateContent xmlns:mc="http://schemas.openxmlformats.org/markup-compatibility/2006">
-        <mc:Choice xmlns:a14="http://schemas.microsoft.com/office/drawing/2010/main" Requires="a14">
+      <mc:AlternateContent xmlns:mc="http://schemas.openxmlformats.org/markup-compatibility/2006" xmlns:a14="http://schemas.microsoft.com/office/drawing/2010/main">
+        <mc:Choice Requires="a14">
           <p:sp>
             <p:nvSpPr>
               <p:cNvPr id="4" name="TextBox 3">
@@ -42327,7 +42389,7 @@
             </p:txBody>
           </p:sp>
         </mc:Choice>
-        <mc:Fallback>
+        <mc:Fallback xmlns="">
           <p:sp>
             <p:nvSpPr>
               <p:cNvPr id="4" name="TextBox 3">
@@ -42372,8 +42434,8 @@
           </p:sp>
         </mc:Fallback>
       </mc:AlternateContent>
-      <mc:AlternateContent xmlns:mc="http://schemas.openxmlformats.org/markup-compatibility/2006">
-        <mc:Choice xmlns:a14="http://schemas.microsoft.com/office/drawing/2010/main" Requires="a14">
+      <mc:AlternateContent xmlns:mc="http://schemas.openxmlformats.org/markup-compatibility/2006" xmlns:a14="http://schemas.microsoft.com/office/drawing/2010/main">
+        <mc:Choice Requires="a14">
           <p:sp>
             <p:nvSpPr>
               <p:cNvPr id="5" name="TextBox 4">
@@ -42451,14 +42513,7 @@
                               <a:latin typeface="Cambria Math" panose="02040503050406030204" pitchFamily="18" charset="0"/>
                               <a:ea typeface="Cambria Math" panose="02040503050406030204" pitchFamily="18" charset="0"/>
                             </a:rPr>
-                            <m:t>𝑑</m:t>
-                          </m:r>
-                          <m:r>
-                            <a:rPr lang="en-US" sz="2000" b="0" i="1" smtClean="0">
-                              <a:latin typeface="Cambria Math" panose="02040503050406030204" pitchFamily="18" charset="0"/>
-                              <a:ea typeface="Cambria Math" panose="02040503050406030204" pitchFamily="18" charset="0"/>
-                            </a:rPr>
-                            <m:t>𝑧</m:t>
+                            <m:t>𝑑𝑧</m:t>
                           </m:r>
                         </m:den>
                       </m:f>
@@ -42711,14 +42766,7 @@
                                   <a:latin typeface="Cambria Math" panose="02040503050406030204" pitchFamily="18" charset="0"/>
                                   <a:ea typeface="Cambria Math" panose="02040503050406030204" pitchFamily="18" charset="0"/>
                                 </a:rPr>
-                                <m:t>(</m:t>
-                              </m:r>
-                              <m:r>
-                                <a:rPr lang="en-US" sz="2000" i="1">
-                                  <a:latin typeface="Cambria Math" panose="02040503050406030204" pitchFamily="18" charset="0"/>
-                                  <a:ea typeface="Cambria Math" panose="02040503050406030204" pitchFamily="18" charset="0"/>
-                                </a:rPr>
-                                <m:t>1+</m:t>
+                                <m:t>(1+</m:t>
                               </m:r>
                               <m:r>
                                 <a:rPr lang="en-US" sz="2000" i="1" smtClean="0">
@@ -42795,7 +42843,7 @@
             </p:txBody>
           </p:sp>
         </mc:Choice>
-        <mc:Fallback>
+        <mc:Fallback xmlns="">
           <p:sp>
             <p:nvSpPr>
               <p:cNvPr id="5" name="TextBox 4">
@@ -42840,8 +42888,8 @@
           </p:sp>
         </mc:Fallback>
       </mc:AlternateContent>
-      <mc:AlternateContent xmlns:mc="http://schemas.openxmlformats.org/markup-compatibility/2006">
-        <mc:Choice xmlns:a14="http://schemas.microsoft.com/office/drawing/2010/main" Requires="a14">
+      <mc:AlternateContent xmlns:mc="http://schemas.openxmlformats.org/markup-compatibility/2006" xmlns:a14="http://schemas.microsoft.com/office/drawing/2010/main">
+        <mc:Choice Requires="a14">
           <p:sp>
             <p:nvSpPr>
               <p:cNvPr id="6" name="Rectangle 5">
@@ -42869,6 +42917,7 @@
               </a:bodyPr>
               <a:lstStyle/>
               <a:p>
+                <a:pPr/>
                 <a14:m>
                   <m:oMathPara xmlns:m="http://schemas.openxmlformats.org/officeDocument/2006/math">
                     <m:oMathParaPr>
@@ -43265,7 +43314,7 @@
             </p:txBody>
           </p:sp>
         </mc:Choice>
-        <mc:Fallback>
+        <mc:Fallback xmlns="">
           <p:sp>
             <p:nvSpPr>
               <p:cNvPr id="6" name="Rectangle 5">
@@ -43310,8 +43359,8 @@
           </p:sp>
         </mc:Fallback>
       </mc:AlternateContent>
-      <mc:AlternateContent xmlns:mc="http://schemas.openxmlformats.org/markup-compatibility/2006">
-        <mc:Choice xmlns:a14="http://schemas.microsoft.com/office/drawing/2010/main" Requires="a14">
+      <mc:AlternateContent xmlns:mc="http://schemas.openxmlformats.org/markup-compatibility/2006" xmlns:a14="http://schemas.microsoft.com/office/drawing/2010/main">
+        <mc:Choice Requires="a14">
           <p:sp>
             <p:nvSpPr>
               <p:cNvPr id="7" name="Rectangle 6">
@@ -43339,6 +43388,7 @@
               </a:bodyPr>
               <a:lstStyle/>
               <a:p>
+                <a:pPr/>
                 <a14:m>
                   <m:oMathPara xmlns:m="http://schemas.openxmlformats.org/officeDocument/2006/math">
                     <m:oMathParaPr>
@@ -43370,13 +43420,7 @@
                             <a:rPr lang="en-US" i="1">
                               <a:latin typeface="Cambria Math" panose="02040503050406030204" pitchFamily="18" charset="0"/>
                             </a:rPr>
-                            <m:t>(</m:t>
-                          </m:r>
-                          <m:r>
-                            <a:rPr lang="en-US" i="1">
-                              <a:latin typeface="Cambria Math" panose="02040503050406030204" pitchFamily="18" charset="0"/>
-                            </a:rPr>
-                            <m:t>1−</m:t>
+                            <m:t>(1−</m:t>
                           </m:r>
                           <m:acc>
                             <m:accPr>
@@ -43485,13 +43529,7 @@
                             <a:rPr lang="en-US" i="1">
                               <a:latin typeface="Cambria Math" panose="02040503050406030204" pitchFamily="18" charset="0"/>
                             </a:rPr>
-                            <m:t>(</m:t>
-                          </m:r>
-                          <m:r>
-                            <a:rPr lang="en-US" i="1">
-                              <a:latin typeface="Cambria Math" panose="02040503050406030204" pitchFamily="18" charset="0"/>
-                            </a:rPr>
-                            <m:t>1−</m:t>
+                            <m:t>(1−</m:t>
                           </m:r>
                           <m:acc>
                             <m:accPr>
@@ -43627,7 +43665,7 @@
             </p:txBody>
           </p:sp>
         </mc:Choice>
-        <mc:Fallback>
+        <mc:Fallback xmlns="">
           <p:sp>
             <p:nvSpPr>
               <p:cNvPr id="7" name="Rectangle 6">
@@ -43672,8 +43710,8 @@
           </p:sp>
         </mc:Fallback>
       </mc:AlternateContent>
-      <mc:AlternateContent xmlns:mc="http://schemas.openxmlformats.org/markup-compatibility/2006">
-        <mc:Choice xmlns:a14="http://schemas.microsoft.com/office/drawing/2010/main" Requires="a14">
+      <mc:AlternateContent xmlns:mc="http://schemas.openxmlformats.org/markup-compatibility/2006" xmlns:a14="http://schemas.microsoft.com/office/drawing/2010/main">
+        <mc:Choice Requires="a14">
           <p:sp>
             <p:nvSpPr>
               <p:cNvPr id="8" name="TextBox 7">
@@ -43759,14 +43797,7 @@
                               <a:latin typeface="Cambria Math" panose="02040503050406030204" pitchFamily="18" charset="0"/>
                               <a:ea typeface="Cambria Math" panose="02040503050406030204" pitchFamily="18" charset="0"/>
                             </a:rPr>
-                            <m:t>𝑑</m:t>
-                          </m:r>
-                          <m:r>
-                            <a:rPr lang="en-US" sz="2000" b="0" i="1" smtClean="0">
-                              <a:latin typeface="Cambria Math" panose="02040503050406030204" pitchFamily="18" charset="0"/>
-                              <a:ea typeface="Cambria Math" panose="02040503050406030204" pitchFamily="18" charset="0"/>
-                            </a:rPr>
-                            <m:t>𝑧</m:t>
+                            <m:t>𝑑𝑧</m:t>
                           </m:r>
                         </m:den>
                       </m:f>
@@ -44120,7 +44151,7 @@
             </p:txBody>
           </p:sp>
         </mc:Choice>
-        <mc:Fallback>
+        <mc:Fallback xmlns="">
           <p:sp>
             <p:nvSpPr>
               <p:cNvPr id="8" name="TextBox 7">
@@ -44436,7 +44467,15 @@
           <a:p>
             <a:r>
               <a:rPr lang="en-US" dirty="0"/>
-              <a:t>Linear regression punishes wrong guesses polynomials, where linear regression punishes wrong guesses exponentially</a:t>
+              <a:t>Linear regression punishes wrong guesses </a:t>
+            </a:r>
+            <a:r>
+              <a:rPr lang="en-US" dirty="0" err="1"/>
+              <a:t>polynomially</a:t>
+            </a:r>
+            <a:r>
+              <a:rPr lang="en-US" dirty="0"/>
+              <a:t>, where linear regression punishes wrong guesses exponentially</a:t>
             </a:r>
           </a:p>
         </p:txBody>
@@ -45427,8 +45466,8 @@
           </a:p>
         </p:txBody>
       </p:sp>
-      <mc:AlternateContent xmlns:mc="http://schemas.openxmlformats.org/markup-compatibility/2006">
-        <mc:Choice xmlns:a14="http://schemas.microsoft.com/office/drawing/2010/main" Requires="a14">
+      <mc:AlternateContent xmlns:mc="http://schemas.openxmlformats.org/markup-compatibility/2006" xmlns:a14="http://schemas.microsoft.com/office/drawing/2010/main">
+        <mc:Choice Requires="a14">
           <p:sp>
             <p:nvSpPr>
               <p:cNvPr id="4" name="Rectangle 3">
@@ -45456,6 +45495,7 @@
               </a:bodyPr>
               <a:lstStyle/>
               <a:p>
+                <a:pPr/>
                 <a14:m>
                   <m:oMathPara xmlns:m="http://schemas.openxmlformats.org/officeDocument/2006/math">
                     <m:oMathParaPr>
@@ -45566,7 +45606,7 @@
             </p:txBody>
           </p:sp>
         </mc:Choice>
-        <mc:Fallback>
+        <mc:Fallback xmlns="">
           <p:sp>
             <p:nvSpPr>
               <p:cNvPr id="4" name="Rectangle 3">
@@ -45611,8 +45651,8 @@
           </p:sp>
         </mc:Fallback>
       </mc:AlternateContent>
-      <mc:AlternateContent xmlns:mc="http://schemas.openxmlformats.org/markup-compatibility/2006">
-        <mc:Choice xmlns:a14="http://schemas.microsoft.com/office/drawing/2010/main" Requires="a14">
+      <mc:AlternateContent xmlns:mc="http://schemas.openxmlformats.org/markup-compatibility/2006" xmlns:a14="http://schemas.microsoft.com/office/drawing/2010/main">
+        <mc:Choice Requires="a14">
           <p:sp>
             <p:nvSpPr>
               <p:cNvPr id="5" name="Rectangle 4">
@@ -45640,6 +45680,7 @@
               </a:bodyPr>
               <a:lstStyle/>
               <a:p>
+                <a:pPr/>
                 <a14:m>
                   <m:oMathPara xmlns:m="http://schemas.openxmlformats.org/officeDocument/2006/math">
                     <m:oMathParaPr>
@@ -45910,7 +45951,7 @@
             </p:txBody>
           </p:sp>
         </mc:Choice>
-        <mc:Fallback>
+        <mc:Fallback xmlns="">
           <p:sp>
             <p:nvSpPr>
               <p:cNvPr id="5" name="Rectangle 4">
@@ -46099,8 +46140,8 @@
           </a:p>
         </p:txBody>
       </p:sp>
-      <mc:AlternateContent xmlns:mc="http://schemas.openxmlformats.org/markup-compatibility/2006">
-        <mc:Choice xmlns:a14="http://schemas.microsoft.com/office/drawing/2010/main" Requires="a14">
+      <mc:AlternateContent xmlns:mc="http://schemas.openxmlformats.org/markup-compatibility/2006" xmlns:a14="http://schemas.microsoft.com/office/drawing/2010/main">
+        <mc:Choice Requires="a14">
           <p:sp>
             <p:nvSpPr>
               <p:cNvPr id="3" name="Content Placeholder 2">
@@ -46464,7 +46505,7 @@
             </p:txBody>
           </p:sp>
         </mc:Choice>
-        <mc:Fallback>
+        <mc:Fallback xmlns="">
           <p:sp>
             <p:nvSpPr>
               <p:cNvPr id="3" name="Content Placeholder 2">
